--- a/figures/active_learning.pptx
+++ b/figures/active_learning.pptx
@@ -7,7 +7,7 @@
   <p:sldIdLst>
     <p:sldId id="256" r:id="rId2"/>
   </p:sldIdLst>
-  <p:sldSz cx="11887200" cy="2743200"/>
+  <p:sldSz cx="11887200" cy="3108325"/>
   <p:notesSz cx="6858000" cy="9144000"/>
   <p:defaultTextStyle>
     <a:defPPr>
@@ -136,8 +136,8 @@
         </p:nvSpPr>
         <p:spPr>
           <a:xfrm>
-            <a:off x="891540" y="852170"/>
-            <a:ext cx="10104120" cy="588010"/>
+            <a:off x="891540" y="965596"/>
+            <a:ext cx="10104120" cy="666275"/>
           </a:xfrm>
         </p:spPr>
         <p:txBody>
@@ -164,8 +164,8 @@
         </p:nvSpPr>
         <p:spPr>
           <a:xfrm>
-            <a:off x="1783080" y="1554480"/>
-            <a:ext cx="8321040" cy="701040"/>
+            <a:off x="1783080" y="1761384"/>
+            <a:ext cx="8321040" cy="794350"/>
           </a:xfrm>
         </p:spPr>
         <p:txBody>
@@ -288,7 +288,7 @@
           <a:p>
             <a:fld id="{0A96C350-EF6E-724D-95FA-2BC3B37CB862}" type="datetimeFigureOut">
               <a:rPr lang="en-US" smtClean="0"/>
-              <a:t>8/18/15</a:t>
+              <a:t>9/2/15</a:t>
             </a:fld>
             <a:endParaRPr lang="en-US"/>
           </a:p>
@@ -458,7 +458,7 @@
           <a:p>
             <a:fld id="{0A96C350-EF6E-724D-95FA-2BC3B37CB862}" type="datetimeFigureOut">
               <a:rPr lang="en-US" smtClean="0"/>
-              <a:t>8/18/15</a:t>
+              <a:t>9/2/15</a:t>
             </a:fld>
             <a:endParaRPr lang="en-US"/>
           </a:p>
@@ -548,8 +548,8 @@
         </p:nvSpPr>
         <p:spPr>
           <a:xfrm>
-            <a:off x="11204100" y="43815"/>
-            <a:ext cx="3477418" cy="936625"/>
+            <a:off x="11204100" y="49647"/>
+            <a:ext cx="3477418" cy="1061292"/>
           </a:xfrm>
         </p:spPr>
         <p:txBody>
@@ -576,8 +576,8 @@
         </p:nvSpPr>
         <p:spPr>
           <a:xfrm>
-            <a:off x="771843" y="43815"/>
-            <a:ext cx="10234137" cy="936625"/>
+            <a:off x="771844" y="49647"/>
+            <a:ext cx="10234137" cy="1061292"/>
           </a:xfrm>
         </p:spPr>
         <p:txBody>
@@ -638,7 +638,7 @@
           <a:p>
             <a:fld id="{0A96C350-EF6E-724D-95FA-2BC3B37CB862}" type="datetimeFigureOut">
               <a:rPr lang="en-US" smtClean="0"/>
-              <a:t>8/18/15</a:t>
+              <a:t>9/2/15</a:t>
             </a:fld>
             <a:endParaRPr lang="en-US"/>
           </a:p>
@@ -808,7 +808,7 @@
           <a:p>
             <a:fld id="{0A96C350-EF6E-724D-95FA-2BC3B37CB862}" type="datetimeFigureOut">
               <a:rPr lang="en-US" smtClean="0"/>
-              <a:t>8/18/15</a:t>
+              <a:t>9/2/15</a:t>
             </a:fld>
             <a:endParaRPr lang="en-US"/>
           </a:p>
@@ -898,8 +898,8 @@
         </p:nvSpPr>
         <p:spPr>
           <a:xfrm>
-            <a:off x="939007" y="1762760"/>
-            <a:ext cx="10104120" cy="544830"/>
+            <a:off x="939007" y="1997387"/>
+            <a:ext cx="10104120" cy="617348"/>
           </a:xfrm>
         </p:spPr>
         <p:txBody>
@@ -930,8 +930,8 @@
         </p:nvSpPr>
         <p:spPr>
           <a:xfrm>
-            <a:off x="939007" y="1162685"/>
-            <a:ext cx="10104120" cy="600075"/>
+            <a:off x="939007" y="1317441"/>
+            <a:ext cx="10104120" cy="679946"/>
           </a:xfrm>
         </p:spPr>
         <p:txBody>
@@ -1054,7 +1054,7 @@
           <a:p>
             <a:fld id="{0A96C350-EF6E-724D-95FA-2BC3B37CB862}" type="datetimeFigureOut">
               <a:rPr lang="en-US" smtClean="0"/>
-              <a:t>8/18/15</a:t>
+              <a:t>9/2/15</a:t>
             </a:fld>
             <a:endParaRPr lang="en-US"/>
           </a:p>
@@ -1167,8 +1167,8 @@
         </p:nvSpPr>
         <p:spPr>
           <a:xfrm>
-            <a:off x="771843" y="255905"/>
-            <a:ext cx="6855778" cy="724535"/>
+            <a:off x="771843" y="289967"/>
+            <a:ext cx="6855778" cy="820972"/>
           </a:xfrm>
         </p:spPr>
         <p:txBody>
@@ -1252,8 +1252,8 @@
         </p:nvSpPr>
         <p:spPr>
           <a:xfrm>
-            <a:off x="7825740" y="255905"/>
-            <a:ext cx="6855778" cy="724535"/>
+            <a:off x="7825740" y="289967"/>
+            <a:ext cx="6855778" cy="820972"/>
           </a:xfrm>
         </p:spPr>
         <p:txBody>
@@ -1342,7 +1342,7 @@
           <a:p>
             <a:fld id="{0A96C350-EF6E-724D-95FA-2BC3B37CB862}" type="datetimeFigureOut">
               <a:rPr lang="en-US" smtClean="0"/>
-              <a:t>8/18/15</a:t>
+              <a:t>9/2/15</a:t>
             </a:fld>
             <a:endParaRPr lang="en-US"/>
           </a:p>
@@ -1432,8 +1432,8 @@
         </p:nvSpPr>
         <p:spPr>
           <a:xfrm>
-            <a:off x="594360" y="109855"/>
-            <a:ext cx="10698480" cy="457200"/>
+            <a:off x="594360" y="124477"/>
+            <a:ext cx="10698480" cy="518054"/>
           </a:xfrm>
         </p:spPr>
         <p:txBody>
@@ -1464,8 +1464,8 @@
         </p:nvSpPr>
         <p:spPr>
           <a:xfrm>
-            <a:off x="594360" y="614045"/>
-            <a:ext cx="5252244" cy="255905"/>
+            <a:off x="594360" y="695776"/>
+            <a:ext cx="5252244" cy="289966"/>
           </a:xfrm>
         </p:spPr>
         <p:txBody>
@@ -1529,8 +1529,8 @@
         </p:nvSpPr>
         <p:spPr>
           <a:xfrm>
-            <a:off x="594360" y="869950"/>
-            <a:ext cx="5252244" cy="1580515"/>
+            <a:off x="594360" y="985743"/>
+            <a:ext cx="5252244" cy="1790884"/>
           </a:xfrm>
         </p:spPr>
         <p:txBody>
@@ -1614,8 +1614,8 @@
         </p:nvSpPr>
         <p:spPr>
           <a:xfrm>
-            <a:off x="6038533" y="614045"/>
-            <a:ext cx="5254308" cy="255905"/>
+            <a:off x="6038533" y="695776"/>
+            <a:ext cx="5254308" cy="289966"/>
           </a:xfrm>
         </p:spPr>
         <p:txBody>
@@ -1679,8 +1679,8 @@
         </p:nvSpPr>
         <p:spPr>
           <a:xfrm>
-            <a:off x="6038533" y="869950"/>
-            <a:ext cx="5254308" cy="1580515"/>
+            <a:off x="6038533" y="985743"/>
+            <a:ext cx="5254308" cy="1790884"/>
           </a:xfrm>
         </p:spPr>
         <p:txBody>
@@ -1769,7 +1769,7 @@
           <a:p>
             <a:fld id="{0A96C350-EF6E-724D-95FA-2BC3B37CB862}" type="datetimeFigureOut">
               <a:rPr lang="en-US" smtClean="0"/>
-              <a:t>8/18/15</a:t>
+              <a:t>9/2/15</a:t>
             </a:fld>
             <a:endParaRPr lang="en-US"/>
           </a:p>
@@ -1887,7 +1887,7 @@
           <a:p>
             <a:fld id="{0A96C350-EF6E-724D-95FA-2BC3B37CB862}" type="datetimeFigureOut">
               <a:rPr lang="en-US" smtClean="0"/>
-              <a:t>8/18/15</a:t>
+              <a:t>9/2/15</a:t>
             </a:fld>
             <a:endParaRPr lang="en-US"/>
           </a:p>
@@ -1982,7 +1982,7 @@
           <a:p>
             <a:fld id="{0A96C350-EF6E-724D-95FA-2BC3B37CB862}" type="datetimeFigureOut">
               <a:rPr lang="en-US" smtClean="0"/>
-              <a:t>8/18/15</a:t>
+              <a:t>9/2/15</a:t>
             </a:fld>
             <a:endParaRPr lang="en-US"/>
           </a:p>
@@ -2072,8 +2072,8 @@
         </p:nvSpPr>
         <p:spPr>
           <a:xfrm>
-            <a:off x="594361" y="109220"/>
-            <a:ext cx="3910807" cy="464820"/>
+            <a:off x="594362" y="123758"/>
+            <a:ext cx="3910807" cy="526688"/>
           </a:xfrm>
         </p:spPr>
         <p:txBody>
@@ -2104,8 +2104,8 @@
         </p:nvSpPr>
         <p:spPr>
           <a:xfrm>
-            <a:off x="4647565" y="109220"/>
-            <a:ext cx="6645275" cy="2341245"/>
+            <a:off x="4647566" y="123758"/>
+            <a:ext cx="6645275" cy="2652869"/>
           </a:xfrm>
         </p:spPr>
         <p:txBody>
@@ -2189,8 +2189,8 @@
         </p:nvSpPr>
         <p:spPr>
           <a:xfrm>
-            <a:off x="594361" y="574040"/>
-            <a:ext cx="3910807" cy="1876425"/>
+            <a:off x="594362" y="650446"/>
+            <a:ext cx="3910807" cy="2126181"/>
           </a:xfrm>
         </p:spPr>
         <p:txBody>
@@ -2259,7 +2259,7 @@
           <a:p>
             <a:fld id="{0A96C350-EF6E-724D-95FA-2BC3B37CB862}" type="datetimeFigureOut">
               <a:rPr lang="en-US" smtClean="0"/>
-              <a:t>8/18/15</a:t>
+              <a:t>9/2/15</a:t>
             </a:fld>
             <a:endParaRPr lang="en-US"/>
           </a:p>
@@ -2349,8 +2349,8 @@
         </p:nvSpPr>
         <p:spPr>
           <a:xfrm>
-            <a:off x="2329974" y="1920240"/>
-            <a:ext cx="7132320" cy="226695"/>
+            <a:off x="2329974" y="2175828"/>
+            <a:ext cx="7132320" cy="256869"/>
           </a:xfrm>
         </p:spPr>
         <p:txBody>
@@ -2381,8 +2381,8 @@
         </p:nvSpPr>
         <p:spPr>
           <a:xfrm>
-            <a:off x="2329974" y="245110"/>
-            <a:ext cx="7132320" cy="1645920"/>
+            <a:off x="2329974" y="277735"/>
+            <a:ext cx="7132320" cy="1864995"/>
           </a:xfrm>
         </p:spPr>
         <p:txBody>
@@ -2442,8 +2442,8 @@
         </p:nvSpPr>
         <p:spPr>
           <a:xfrm>
-            <a:off x="2329974" y="2146935"/>
-            <a:ext cx="7132320" cy="321945"/>
+            <a:off x="2329974" y="2432697"/>
+            <a:ext cx="7132320" cy="364796"/>
           </a:xfrm>
         </p:spPr>
         <p:txBody>
@@ -2512,7 +2512,7 @@
           <a:p>
             <a:fld id="{0A96C350-EF6E-724D-95FA-2BC3B37CB862}" type="datetimeFigureOut">
               <a:rPr lang="en-US" smtClean="0"/>
-              <a:t>8/18/15</a:t>
+              <a:t>9/2/15</a:t>
             </a:fld>
             <a:endParaRPr lang="en-US"/>
           </a:p>
@@ -2607,8 +2607,8 @@
         </p:nvSpPr>
         <p:spPr>
           <a:xfrm>
-            <a:off x="594360" y="109855"/>
-            <a:ext cx="10698480" cy="457200"/>
+            <a:off x="594360" y="124477"/>
+            <a:ext cx="10698480" cy="518054"/>
           </a:xfrm>
           <a:prstGeom prst="rect">
             <a:avLst/>
@@ -2640,8 +2640,8 @@
         </p:nvSpPr>
         <p:spPr>
           <a:xfrm>
-            <a:off x="594360" y="640080"/>
-            <a:ext cx="10698480" cy="1810385"/>
+            <a:off x="594360" y="725276"/>
+            <a:ext cx="10698480" cy="2051351"/>
           </a:xfrm>
           <a:prstGeom prst="rect">
             <a:avLst/>
@@ -2702,8 +2702,8 @@
         </p:nvSpPr>
         <p:spPr>
           <a:xfrm>
-            <a:off x="594360" y="2542540"/>
-            <a:ext cx="2773680" cy="146050"/>
+            <a:off x="594360" y="2880957"/>
+            <a:ext cx="2773680" cy="165490"/>
           </a:xfrm>
           <a:prstGeom prst="rect">
             <a:avLst/>
@@ -2725,7 +2725,7 @@
           <a:p>
             <a:fld id="{0A96C350-EF6E-724D-95FA-2BC3B37CB862}" type="datetimeFigureOut">
               <a:rPr lang="en-US" smtClean="0"/>
-              <a:t>8/18/15</a:t>
+              <a:t>9/2/15</a:t>
             </a:fld>
             <a:endParaRPr lang="en-US"/>
           </a:p>
@@ -2743,8 +2743,8 @@
         </p:nvSpPr>
         <p:spPr>
           <a:xfrm>
-            <a:off x="4061460" y="2542540"/>
-            <a:ext cx="3764280" cy="146050"/>
+            <a:off x="4061460" y="2880957"/>
+            <a:ext cx="3764280" cy="165490"/>
           </a:xfrm>
           <a:prstGeom prst="rect">
             <a:avLst/>
@@ -2780,8 +2780,8 @@
         </p:nvSpPr>
         <p:spPr>
           <a:xfrm>
-            <a:off x="8519160" y="2542540"/>
-            <a:ext cx="2773680" cy="146050"/>
+            <a:off x="8519160" y="2880957"/>
+            <a:ext cx="2773680" cy="165490"/>
           </a:xfrm>
           <a:prstGeom prst="rect">
             <a:avLst/>
@@ -3100,15 +3100,135 @@
           <a:chExt cx="0" cy="0"/>
         </a:xfrm>
       </p:grpSpPr>
-      <p:sp>
-        <p:nvSpPr>
-          <p:cNvPr id="4" name="TextBox 3"/>
+      <p:cxnSp>
+        <p:nvCxnSpPr>
+          <p:cNvPr id="213" name="Straight Connector 212"/>
+          <p:cNvCxnSpPr>
+            <a:endCxn id="124" idx="1"/>
+          </p:cNvCxnSpPr>
+          <p:nvPr/>
+        </p:nvCxnSpPr>
+        <p:spPr>
+          <a:xfrm flipH="1" flipV="1">
+            <a:off x="4475046" y="914719"/>
+            <a:ext cx="521757" cy="398166"/>
+          </a:xfrm>
+          <a:prstGeom prst="line">
+            <a:avLst/>
+          </a:prstGeom>
+          <a:ln w="3175" cmpd="sng">
+            <a:solidFill>
+              <a:schemeClr val="bg1">
+                <a:lumMod val="50000"/>
+              </a:schemeClr>
+            </a:solidFill>
+          </a:ln>
+          <a:effectLst/>
+        </p:spPr>
+        <p:style>
+          <a:lnRef idx="2">
+            <a:schemeClr val="accent1"/>
+          </a:lnRef>
+          <a:fillRef idx="0">
+            <a:schemeClr val="accent1"/>
+          </a:fillRef>
+          <a:effectRef idx="1">
+            <a:schemeClr val="accent1"/>
+          </a:effectRef>
+          <a:fontRef idx="minor">
+            <a:schemeClr val="tx1"/>
+          </a:fontRef>
+        </p:style>
+      </p:cxnSp>
+      <p:cxnSp>
+        <p:nvCxnSpPr>
+          <p:cNvPr id="209" name="Straight Connector 208"/>
+          <p:cNvCxnSpPr>
+            <a:endCxn id="125" idx="2"/>
+          </p:cNvCxnSpPr>
+          <p:nvPr/>
+        </p:nvCxnSpPr>
+        <p:spPr>
+          <a:xfrm flipH="1">
+            <a:off x="3904353" y="1312885"/>
+            <a:ext cx="1092451" cy="353584"/>
+          </a:xfrm>
+          <a:prstGeom prst="line">
+            <a:avLst/>
+          </a:prstGeom>
+          <a:ln w="3175" cmpd="sng">
+            <a:solidFill>
+              <a:schemeClr val="bg1">
+                <a:lumMod val="50000"/>
+              </a:schemeClr>
+            </a:solidFill>
+          </a:ln>
+          <a:effectLst/>
+        </p:spPr>
+        <p:style>
+          <a:lnRef idx="2">
+            <a:schemeClr val="accent1"/>
+          </a:lnRef>
+          <a:fillRef idx="0">
+            <a:schemeClr val="accent1"/>
+          </a:fillRef>
+          <a:effectRef idx="1">
+            <a:schemeClr val="accent1"/>
+          </a:effectRef>
+          <a:fontRef idx="minor">
+            <a:schemeClr val="tx1"/>
+          </a:fontRef>
+        </p:style>
+      </p:cxnSp>
+      <p:cxnSp>
+        <p:nvCxnSpPr>
+          <p:cNvPr id="200" name="Straight Connector 199"/>
+          <p:cNvCxnSpPr>
+            <a:endCxn id="123" idx="2"/>
+          </p:cNvCxnSpPr>
+          <p:nvPr/>
+        </p:nvCxnSpPr>
+        <p:spPr>
+          <a:xfrm flipH="1">
+            <a:off x="4308521" y="1303519"/>
+            <a:ext cx="688282" cy="0"/>
+          </a:xfrm>
+          <a:prstGeom prst="line">
+            <a:avLst/>
+          </a:prstGeom>
+          <a:ln w="3175" cmpd="sng">
+            <a:solidFill>
+              <a:schemeClr val="bg1">
+                <a:lumMod val="50000"/>
+              </a:schemeClr>
+            </a:solidFill>
+          </a:ln>
+          <a:effectLst/>
+        </p:spPr>
+        <p:style>
+          <a:lnRef idx="2">
+            <a:schemeClr val="accent1"/>
+          </a:lnRef>
+          <a:fillRef idx="0">
+            <a:schemeClr val="accent1"/>
+          </a:fillRef>
+          <a:effectRef idx="1">
+            <a:schemeClr val="accent1"/>
+          </a:effectRef>
+          <a:fontRef idx="minor">
+            <a:schemeClr val="tx1"/>
+          </a:fontRef>
+        </p:style>
+      </p:cxnSp>
+      <p:sp>
+        <p:nvSpPr>
+          <p:cNvPr id="96" name="TextBox 95"/>
           <p:cNvSpPr txBox="1"/>
           <p:nvPr/>
         </p:nvSpPr>
         <p:spPr>
           <a:xfrm>
-            <a:off x="1729353" y="1008377"/>
+            <a:off x="1752805" y="1307794"/>
             <a:ext cx="650246" cy="253916"/>
           </a:xfrm>
           <a:prstGeom prst="rect">
@@ -3130,14 +3250,21 @@
                 <a:latin typeface="Palatino"/>
                 <a:cs typeface="Palatino"/>
               </a:rPr>
-              <a:t>high risk</a:t>
+              <a:t>risky</a:t>
             </a:r>
-          </a:p>
-        </p:txBody>
-      </p:sp>
-      <p:sp>
-        <p:nvSpPr>
-          <p:cNvPr id="5" name="Oval 4"/>
+            <a:endParaRPr lang="en-US" sz="1050" i="1" dirty="0" smtClean="0">
+              <a:solidFill>
+                <a:srgbClr val="7F7F7F"/>
+              </a:solidFill>
+              <a:latin typeface="Palatino"/>
+              <a:cs typeface="Palatino"/>
+            </a:endParaRPr>
+          </a:p>
+        </p:txBody>
+      </p:sp>
+      <p:sp>
+        <p:nvSpPr>
+          <p:cNvPr id="100" name="Oval 99"/>
           <p:cNvSpPr>
             <a:spLocks noChangeAspect="1"/>
           </p:cNvSpPr>
@@ -3191,7 +3318,7 @@
       </p:sp>
       <p:sp>
         <p:nvSpPr>
-          <p:cNvPr id="6" name="Oval 5"/>
+          <p:cNvPr id="103" name="Oval 102"/>
           <p:cNvSpPr>
             <a:spLocks noChangeAspect="1"/>
           </p:cNvSpPr>
@@ -3247,7 +3374,7 @@
       </p:sp>
       <p:sp>
         <p:nvSpPr>
-          <p:cNvPr id="7" name="Oval 6"/>
+          <p:cNvPr id="104" name="Oval 103"/>
           <p:cNvSpPr>
             <a:spLocks noChangeAspect="1"/>
           </p:cNvSpPr>
@@ -3301,7 +3428,7 @@
       </p:sp>
       <p:sp>
         <p:nvSpPr>
-          <p:cNvPr id="8" name="Oval 7"/>
+          <p:cNvPr id="105" name="Oval 104"/>
           <p:cNvSpPr>
             <a:spLocks noChangeAspect="1"/>
           </p:cNvSpPr>
@@ -3355,7 +3482,7 @@
       </p:sp>
       <p:sp>
         <p:nvSpPr>
-          <p:cNvPr id="9" name="Oval 8"/>
+          <p:cNvPr id="106" name="Oval 105"/>
           <p:cNvSpPr>
             <a:spLocks noChangeAspect="1"/>
           </p:cNvSpPr>
@@ -3409,7 +3536,7 @@
       </p:sp>
       <p:sp>
         <p:nvSpPr>
-          <p:cNvPr id="10" name="Oval 9"/>
+          <p:cNvPr id="107" name="Oval 106"/>
           <p:cNvSpPr>
             <a:spLocks noChangeAspect="1"/>
           </p:cNvSpPr>
@@ -3417,7 +3544,7 @@
         </p:nvSpPr>
         <p:spPr>
           <a:xfrm>
-            <a:off x="785915" y="501652"/>
+            <a:off x="863835" y="579552"/>
             <a:ext cx="105107" cy="109727"/>
           </a:xfrm>
           <a:prstGeom prst="ellipse">
@@ -3463,7 +3590,7 @@
       </p:sp>
       <p:sp>
         <p:nvSpPr>
-          <p:cNvPr id="11" name="Oval 10"/>
+          <p:cNvPr id="108" name="Oval 107"/>
           <p:cNvSpPr>
             <a:spLocks noChangeAspect="1"/>
           </p:cNvSpPr>
@@ -3517,7 +3644,7 @@
       </p:sp>
       <p:sp>
         <p:nvSpPr>
-          <p:cNvPr id="12" name="Oval 11"/>
+          <p:cNvPr id="109" name="Oval 108"/>
           <p:cNvSpPr>
             <a:spLocks noChangeAspect="1"/>
           </p:cNvSpPr>
@@ -3569,7 +3696,7 @@
       </p:sp>
       <p:sp>
         <p:nvSpPr>
-          <p:cNvPr id="13" name="Oval 12"/>
+          <p:cNvPr id="110" name="Oval 109"/>
           <p:cNvSpPr>
             <a:spLocks noChangeAspect="1"/>
           </p:cNvSpPr>
@@ -3621,7 +3748,7 @@
       </p:sp>
       <p:sp>
         <p:nvSpPr>
-          <p:cNvPr id="14" name="Oval 13"/>
+          <p:cNvPr id="111" name="Oval 110"/>
           <p:cNvSpPr>
             <a:spLocks noChangeAspect="1"/>
           </p:cNvSpPr>
@@ -3673,7 +3800,7 @@
       </p:sp>
       <p:sp>
         <p:nvSpPr>
-          <p:cNvPr id="15" name="Oval 14"/>
+          <p:cNvPr id="112" name="Oval 111"/>
           <p:cNvSpPr>
             <a:spLocks noChangeAspect="1"/>
           </p:cNvSpPr>
@@ -3725,7 +3852,7 @@
       </p:sp>
       <p:cxnSp>
         <p:nvCxnSpPr>
-          <p:cNvPr id="16" name="Straight Connector 15"/>
+          <p:cNvPr id="113" name="Straight Connector 112"/>
           <p:cNvCxnSpPr/>
           <p:nvPr/>
         </p:nvCxnSpPr>
@@ -3762,7 +3889,7 @@
       </p:cxnSp>
       <p:sp>
         <p:nvSpPr>
-          <p:cNvPr id="17" name="Oval 16"/>
+          <p:cNvPr id="114" name="Oval 113"/>
           <p:cNvSpPr>
             <a:spLocks noChangeAspect="1"/>
           </p:cNvSpPr>
@@ -3814,7 +3941,7 @@
       </p:sp>
       <p:sp>
         <p:nvSpPr>
-          <p:cNvPr id="18" name="Oval 17"/>
+          <p:cNvPr id="115" name="Oval 114"/>
           <p:cNvSpPr>
             <a:spLocks noChangeAspect="1"/>
           </p:cNvSpPr>
@@ -3866,7 +3993,7 @@
       </p:sp>
       <p:sp>
         <p:nvSpPr>
-          <p:cNvPr id="19" name="Oval 18"/>
+          <p:cNvPr id="116" name="Oval 115"/>
           <p:cNvSpPr>
             <a:spLocks noChangeAspect="1"/>
           </p:cNvSpPr>
@@ -3918,7 +4045,7 @@
       </p:sp>
       <p:sp>
         <p:nvSpPr>
-          <p:cNvPr id="20" name="Oval 19"/>
+          <p:cNvPr id="117" name="Oval 116"/>
           <p:cNvSpPr>
             <a:spLocks noChangeAspect="1"/>
           </p:cNvSpPr>
@@ -3934,6 +4061,155 @@
           </a:prstGeom>
           <a:solidFill>
             <a:schemeClr val="bg1"/>
+          </a:solidFill>
+          <a:ln w="12700" cmpd="sng">
+            <a:solidFill>
+              <a:schemeClr val="accent2"/>
+            </a:solidFill>
+          </a:ln>
+          <a:effectLst/>
+        </p:spPr>
+        <p:style>
+          <a:lnRef idx="1">
+            <a:schemeClr val="accent1"/>
+          </a:lnRef>
+          <a:fillRef idx="3">
+            <a:schemeClr val="accent1"/>
+          </a:fillRef>
+          <a:effectRef idx="2">
+            <a:schemeClr val="accent1"/>
+          </a:effectRef>
+          <a:fontRef idx="minor">
+            <a:schemeClr val="lt1"/>
+          </a:fontRef>
+        </p:style>
+        <p:txBody>
+          <a:bodyPr rtlCol="0" anchor="ctr"/>
+          <a:lstStyle/>
+          <a:p>
+            <a:pPr algn="ctr"/>
+            <a:endParaRPr lang="en-US" dirty="0"/>
+          </a:p>
+        </p:txBody>
+      </p:sp>
+      <p:sp>
+        <p:nvSpPr>
+          <p:cNvPr id="118" name="Oval 117"/>
+          <p:cNvSpPr>
+            <a:spLocks noChangeAspect="1"/>
+          </p:cNvSpPr>
+          <p:nvPr/>
+        </p:nvSpPr>
+        <p:spPr>
+          <a:xfrm>
+            <a:off x="424680" y="421493"/>
+            <a:ext cx="105107" cy="109727"/>
+          </a:xfrm>
+          <a:prstGeom prst="ellipse">
+            <a:avLst/>
+          </a:prstGeom>
+          <a:solidFill>
+            <a:schemeClr val="bg1"/>
+          </a:solidFill>
+          <a:ln w="12700" cmpd="sng">
+            <a:solidFill>
+              <a:schemeClr val="accent2"/>
+            </a:solidFill>
+          </a:ln>
+          <a:effectLst/>
+        </p:spPr>
+        <p:style>
+          <a:lnRef idx="1">
+            <a:schemeClr val="accent1"/>
+          </a:lnRef>
+          <a:fillRef idx="3">
+            <a:schemeClr val="accent1"/>
+          </a:fillRef>
+          <a:effectRef idx="2">
+            <a:schemeClr val="accent1"/>
+          </a:effectRef>
+          <a:fontRef idx="minor">
+            <a:schemeClr val="lt1"/>
+          </a:fontRef>
+        </p:style>
+        <p:txBody>
+          <a:bodyPr rtlCol="0" anchor="ctr"/>
+          <a:lstStyle/>
+          <a:p>
+            <a:pPr algn="ctr"/>
+            <a:endParaRPr lang="en-US" dirty="0"/>
+          </a:p>
+        </p:txBody>
+      </p:sp>
+      <p:sp>
+        <p:nvSpPr>
+          <p:cNvPr id="119" name="Oval 118"/>
+          <p:cNvSpPr>
+            <a:spLocks noChangeAspect="1"/>
+          </p:cNvSpPr>
+          <p:nvPr/>
+        </p:nvSpPr>
+        <p:spPr>
+          <a:xfrm>
+            <a:off x="293295" y="105448"/>
+            <a:ext cx="105107" cy="109727"/>
+          </a:xfrm>
+          <a:prstGeom prst="ellipse">
+            <a:avLst/>
+          </a:prstGeom>
+          <a:solidFill>
+            <a:schemeClr val="bg1"/>
+          </a:solidFill>
+          <a:ln w="12700" cmpd="sng">
+            <a:solidFill>
+              <a:schemeClr val="accent2"/>
+            </a:solidFill>
+          </a:ln>
+          <a:effectLst/>
+        </p:spPr>
+        <p:style>
+          <a:lnRef idx="1">
+            <a:schemeClr val="accent1"/>
+          </a:lnRef>
+          <a:fillRef idx="3">
+            <a:schemeClr val="accent1"/>
+          </a:fillRef>
+          <a:effectRef idx="2">
+            <a:schemeClr val="accent1"/>
+          </a:effectRef>
+          <a:fontRef idx="minor">
+            <a:schemeClr val="lt1"/>
+          </a:fontRef>
+        </p:style>
+        <p:txBody>
+          <a:bodyPr rtlCol="0" anchor="ctr"/>
+          <a:lstStyle/>
+          <a:p>
+            <a:pPr algn="ctr"/>
+            <a:endParaRPr lang="en-US" dirty="0"/>
+          </a:p>
+        </p:txBody>
+      </p:sp>
+      <p:sp>
+        <p:nvSpPr>
+          <p:cNvPr id="120" name="Oval 119"/>
+          <p:cNvSpPr>
+            <a:spLocks noChangeAspect="1"/>
+          </p:cNvSpPr>
+          <p:nvPr/>
+        </p:nvSpPr>
+        <p:spPr>
+          <a:xfrm>
+            <a:off x="629395" y="1307343"/>
+            <a:ext cx="105107" cy="109727"/>
+          </a:xfrm>
+          <a:prstGeom prst="ellipse">
+            <a:avLst/>
+          </a:prstGeom>
+          <a:solidFill>
+            <a:schemeClr val="bg1">
+              <a:lumMod val="50000"/>
+            </a:schemeClr>
           </a:solidFill>
           <a:ln w="12700" cmpd="sng">
             <a:solidFill>
@@ -3964,13 +4240,55 @@
           <a:lstStyle/>
           <a:p>
             <a:pPr algn="ctr"/>
-            <a:endParaRPr lang="en-US" dirty="0"/>
-          </a:p>
-        </p:txBody>
-      </p:sp>
-      <p:sp>
-        <p:nvSpPr>
-          <p:cNvPr id="21" name="Oval 20"/>
+            <a:endParaRPr lang="en-US"/>
+          </a:p>
+        </p:txBody>
+      </p:sp>
+      <p:sp>
+        <p:nvSpPr>
+          <p:cNvPr id="121" name="TextBox 120"/>
+          <p:cNvSpPr txBox="1"/>
+          <p:nvPr/>
+        </p:nvSpPr>
+        <p:spPr>
+          <a:xfrm>
+            <a:off x="474412" y="277426"/>
+            <a:ext cx="684470" cy="253916"/>
+          </a:xfrm>
+          <a:prstGeom prst="rect">
+            <a:avLst/>
+          </a:prstGeom>
+          <a:noFill/>
+        </p:spPr>
+        <p:txBody>
+          <a:bodyPr wrap="square" rtlCol="0">
+            <a:spAutoFit/>
+          </a:bodyPr>
+          <a:lstStyle/>
+          <a:p>
+            <a:r>
+              <a:rPr lang="en-US" sz="1050" i="1" dirty="0" smtClean="0">
+                <a:solidFill>
+                  <a:srgbClr val="7F7F7F"/>
+                </a:solidFill>
+                <a:latin typeface="Palatino"/>
+                <a:cs typeface="Palatino"/>
+              </a:rPr>
+              <a:t>safe</a:t>
+            </a:r>
+            <a:endParaRPr lang="en-US" sz="1050" i="1" dirty="0">
+              <a:solidFill>
+                <a:srgbClr val="7F7F7F"/>
+              </a:solidFill>
+              <a:latin typeface="Palatino"/>
+              <a:cs typeface="Palatino"/>
+            </a:endParaRPr>
+          </a:p>
+        </p:txBody>
+      </p:sp>
+      <p:sp>
+        <p:nvSpPr>
+          <p:cNvPr id="122" name="Oval 121"/>
           <p:cNvSpPr>
             <a:spLocks noChangeAspect="1"/>
           </p:cNvSpPr>
@@ -3978,14 +4296,16 @@
         </p:nvSpPr>
         <p:spPr>
           <a:xfrm>
-            <a:off x="424680" y="421493"/>
+            <a:off x="3991940" y="1081534"/>
             <a:ext cx="105107" cy="109727"/>
           </a:xfrm>
           <a:prstGeom prst="ellipse">
             <a:avLst/>
           </a:prstGeom>
           <a:solidFill>
-            <a:schemeClr val="bg1"/>
+            <a:schemeClr val="bg1">
+              <a:lumMod val="50000"/>
+            </a:schemeClr>
           </a:solidFill>
           <a:ln w="12700" cmpd="sng">
             <a:solidFill>
@@ -4016,13 +4336,13 @@
           <a:lstStyle/>
           <a:p>
             <a:pPr algn="ctr"/>
-            <a:endParaRPr lang="en-US" dirty="0"/>
-          </a:p>
-        </p:txBody>
-      </p:sp>
-      <p:sp>
-        <p:nvSpPr>
-          <p:cNvPr id="22" name="Oval 21"/>
+            <a:endParaRPr lang="en-US"/>
+          </a:p>
+        </p:txBody>
+      </p:sp>
+      <p:sp>
+        <p:nvSpPr>
+          <p:cNvPr id="123" name="Oval 122"/>
           <p:cNvSpPr>
             <a:spLocks noChangeAspect="1"/>
           </p:cNvSpPr>
@@ -4030,7 +4350,7 @@
         </p:nvSpPr>
         <p:spPr>
           <a:xfrm>
-            <a:off x="293295" y="105448"/>
+            <a:off x="4308521" y="1248655"/>
             <a:ext cx="105107" cy="109727"/>
           </a:xfrm>
           <a:prstGeom prst="ellipse">
@@ -4068,13 +4388,17 @@
           <a:lstStyle/>
           <a:p>
             <a:pPr algn="ctr"/>
+            <a:r>
+              <a:rPr lang="en-US" dirty="0" smtClean="0"/>
+              <a:t>v</a:t>
+            </a:r>
             <a:endParaRPr lang="en-US" dirty="0"/>
           </a:p>
         </p:txBody>
       </p:sp>
       <p:sp>
         <p:nvSpPr>
-          <p:cNvPr id="23" name="Oval 22"/>
+          <p:cNvPr id="124" name="Oval 123"/>
           <p:cNvSpPr>
             <a:spLocks noChangeAspect="1"/>
           </p:cNvSpPr>
@@ -4082,7 +4406,7 @@
         </p:nvSpPr>
         <p:spPr>
           <a:xfrm>
-            <a:off x="629395" y="1307343"/>
+            <a:off x="4459653" y="898650"/>
             <a:ext cx="105107" cy="109727"/>
           </a:xfrm>
           <a:prstGeom prst="ellipse">
@@ -4128,49 +4452,7 @@
       </p:sp>
       <p:sp>
         <p:nvSpPr>
-          <p:cNvPr id="27" name="TextBox 26"/>
-          <p:cNvSpPr txBox="1"/>
-          <p:nvPr/>
-        </p:nvSpPr>
-        <p:spPr>
-          <a:xfrm>
-            <a:off x="824822" y="179566"/>
-            <a:ext cx="684470" cy="253916"/>
-          </a:xfrm>
-          <a:prstGeom prst="rect">
-            <a:avLst/>
-          </a:prstGeom>
-          <a:noFill/>
-        </p:spPr>
-        <p:txBody>
-          <a:bodyPr wrap="square" rtlCol="0">
-            <a:spAutoFit/>
-          </a:bodyPr>
-          <a:lstStyle/>
-          <a:p>
-            <a:r>
-              <a:rPr lang="en-US" sz="1050" i="1" dirty="0" smtClean="0">
-                <a:solidFill>
-                  <a:srgbClr val="7F7F7F"/>
-                </a:solidFill>
-                <a:latin typeface="Palatino"/>
-                <a:cs typeface="Palatino"/>
-              </a:rPr>
-              <a:t>low risk</a:t>
-            </a:r>
-            <a:endParaRPr lang="en-US" sz="1050" i="1" dirty="0">
-              <a:solidFill>
-                <a:srgbClr val="7F7F7F"/>
-              </a:solidFill>
-              <a:latin typeface="Palatino"/>
-              <a:cs typeface="Palatino"/>
-            </a:endParaRPr>
-          </a:p>
-        </p:txBody>
-      </p:sp>
-      <p:sp>
-        <p:nvSpPr>
-          <p:cNvPr id="28" name="Oval 27"/>
+          <p:cNvPr id="125" name="Oval 124"/>
           <p:cNvSpPr>
             <a:spLocks noChangeAspect="1"/>
           </p:cNvSpPr>
@@ -4178,7 +4460,7 @@
         </p:nvSpPr>
         <p:spPr>
           <a:xfrm>
-            <a:off x="3991940" y="1081534"/>
+            <a:off x="3904353" y="1611605"/>
             <a:ext cx="105107" cy="109727"/>
           </a:xfrm>
           <a:prstGeom prst="ellipse">
@@ -4224,7 +4506,7 @@
       </p:sp>
       <p:sp>
         <p:nvSpPr>
-          <p:cNvPr id="29" name="Oval 28"/>
+          <p:cNvPr id="126" name="Oval 125"/>
           <p:cNvSpPr>
             <a:spLocks noChangeAspect="1"/>
           </p:cNvSpPr>
@@ -4232,14 +4514,16 @@
         </p:nvSpPr>
         <p:spPr>
           <a:xfrm>
-            <a:off x="4308521" y="1248655"/>
+            <a:off x="3434894" y="1035814"/>
             <a:ext cx="105107" cy="109727"/>
           </a:xfrm>
           <a:prstGeom prst="ellipse">
             <a:avLst/>
           </a:prstGeom>
           <a:solidFill>
-            <a:schemeClr val="bg1"/>
+            <a:schemeClr val="bg1">
+              <a:lumMod val="50000"/>
+            </a:schemeClr>
           </a:solidFill>
           <a:ln w="12700" cmpd="sng">
             <a:solidFill>
@@ -4270,17 +4554,13 @@
           <a:lstStyle/>
           <a:p>
             <a:pPr algn="ctr"/>
-            <a:r>
-              <a:rPr lang="en-US" dirty="0" smtClean="0"/>
-              <a:t>v</a:t>
-            </a:r>
-            <a:endParaRPr lang="en-US" dirty="0"/>
-          </a:p>
-        </p:txBody>
-      </p:sp>
-      <p:sp>
-        <p:nvSpPr>
-          <p:cNvPr id="30" name="Oval 29"/>
+            <a:endParaRPr lang="en-US"/>
+          </a:p>
+        </p:txBody>
+      </p:sp>
+      <p:sp>
+        <p:nvSpPr>
+          <p:cNvPr id="127" name="Oval 126"/>
           <p:cNvSpPr>
             <a:spLocks noChangeAspect="1"/>
           </p:cNvSpPr>
@@ -4288,7 +4568,7 @@
         </p:nvSpPr>
         <p:spPr>
           <a:xfrm>
-            <a:off x="4459653" y="898650"/>
+            <a:off x="4005434" y="589444"/>
             <a:ext cx="105107" cy="109727"/>
           </a:xfrm>
           <a:prstGeom prst="ellipse">
@@ -4334,7 +4614,7 @@
       </p:sp>
       <p:sp>
         <p:nvSpPr>
-          <p:cNvPr id="31" name="Oval 30"/>
+          <p:cNvPr id="128" name="Oval 127"/>
           <p:cNvSpPr>
             <a:spLocks noChangeAspect="1"/>
           </p:cNvSpPr>
@@ -4342,7 +4622,7 @@
         </p:nvSpPr>
         <p:spPr>
           <a:xfrm>
-            <a:off x="3904353" y="1611605"/>
+            <a:off x="4836274" y="1416813"/>
             <a:ext cx="105107" cy="109727"/>
           </a:xfrm>
           <a:prstGeom prst="ellipse">
@@ -4388,7 +4668,7 @@
       </p:sp>
       <p:sp>
         <p:nvSpPr>
-          <p:cNvPr id="32" name="Oval 31"/>
+          <p:cNvPr id="129" name="Oval 128"/>
           <p:cNvSpPr>
             <a:spLocks noChangeAspect="1"/>
           </p:cNvSpPr>
@@ -4396,16 +4676,14 @@
         </p:nvSpPr>
         <p:spPr>
           <a:xfrm>
-            <a:off x="3434894" y="1035814"/>
+            <a:off x="5158543" y="1703045"/>
             <a:ext cx="105107" cy="109727"/>
           </a:xfrm>
           <a:prstGeom prst="ellipse">
             <a:avLst/>
           </a:prstGeom>
           <a:solidFill>
-            <a:schemeClr val="bg1">
-              <a:lumMod val="50000"/>
-            </a:schemeClr>
+            <a:schemeClr val="bg1"/>
           </a:solidFill>
           <a:ln w="12700" cmpd="sng">
             <a:solidFill>
@@ -4442,7 +4720,7 @@
       </p:sp>
       <p:sp>
         <p:nvSpPr>
-          <p:cNvPr id="33" name="Oval 32"/>
+          <p:cNvPr id="130" name="Oval 129"/>
           <p:cNvSpPr>
             <a:spLocks noChangeAspect="1"/>
           </p:cNvSpPr>
@@ -4450,16 +4728,14 @@
         </p:nvSpPr>
         <p:spPr>
           <a:xfrm>
-            <a:off x="3927514" y="511544"/>
+            <a:off x="4720959" y="2111994"/>
             <a:ext cx="105107" cy="109727"/>
           </a:xfrm>
           <a:prstGeom prst="ellipse">
             <a:avLst/>
           </a:prstGeom>
           <a:solidFill>
-            <a:schemeClr val="bg1">
-              <a:lumMod val="50000"/>
-            </a:schemeClr>
+            <a:schemeClr val="bg1"/>
           </a:solidFill>
           <a:ln w="12700" cmpd="sng">
             <a:solidFill>
@@ -4490,13 +4766,13 @@
           <a:lstStyle/>
           <a:p>
             <a:pPr algn="ctr"/>
-            <a:endParaRPr lang="en-US"/>
-          </a:p>
-        </p:txBody>
-      </p:sp>
-      <p:sp>
-        <p:nvSpPr>
-          <p:cNvPr id="34" name="Oval 33"/>
+            <a:endParaRPr lang="en-US" sz="1400" dirty="0"/>
+          </a:p>
+        </p:txBody>
+      </p:sp>
+      <p:sp>
+        <p:nvSpPr>
+          <p:cNvPr id="131" name="Oval 130"/>
           <p:cNvSpPr>
             <a:spLocks noChangeAspect="1"/>
           </p:cNvSpPr>
@@ -4504,16 +4780,14 @@
         </p:nvSpPr>
         <p:spPr>
           <a:xfrm>
-            <a:off x="4836274" y="1416813"/>
+            <a:off x="4545783" y="1654793"/>
             <a:ext cx="105107" cy="109727"/>
           </a:xfrm>
           <a:prstGeom prst="ellipse">
             <a:avLst/>
           </a:prstGeom>
           <a:solidFill>
-            <a:schemeClr val="bg1">
-              <a:lumMod val="50000"/>
-            </a:schemeClr>
+            <a:schemeClr val="bg1"/>
           </a:solidFill>
           <a:ln w="12700" cmpd="sng">
             <a:solidFill>
@@ -4550,7 +4824,7 @@
       </p:sp>
       <p:sp>
         <p:nvSpPr>
-          <p:cNvPr id="35" name="Oval 34"/>
+          <p:cNvPr id="132" name="Oval 131"/>
           <p:cNvSpPr>
             <a:spLocks noChangeAspect="1"/>
           </p:cNvSpPr>
@@ -4558,7 +4832,7 @@
         </p:nvSpPr>
         <p:spPr>
           <a:xfrm>
-            <a:off x="5158543" y="1703045"/>
+            <a:off x="4414398" y="2004002"/>
             <a:ext cx="105107" cy="109727"/>
           </a:xfrm>
           <a:prstGeom prst="ellipse">
@@ -4596,13 +4870,50 @@
           <a:lstStyle/>
           <a:p>
             <a:pPr algn="ctr"/>
-            <a:endParaRPr lang="en-US"/>
-          </a:p>
-        </p:txBody>
-      </p:sp>
-      <p:sp>
-        <p:nvSpPr>
-          <p:cNvPr id="36" name="Oval 35"/>
+            <a:endParaRPr lang="en-US" sz="1400"/>
+          </a:p>
+        </p:txBody>
+      </p:sp>
+      <p:cxnSp>
+        <p:nvCxnSpPr>
+          <p:cNvPr id="133" name="Straight Connector 132"/>
+          <p:cNvCxnSpPr/>
+          <p:nvPr/>
+        </p:nvCxnSpPr>
+        <p:spPr>
+          <a:xfrm flipV="1">
+            <a:off x="3303509" y="385884"/>
+            <a:ext cx="2082193" cy="1640818"/>
+          </a:xfrm>
+          <a:prstGeom prst="line">
+            <a:avLst/>
+          </a:prstGeom>
+          <a:ln w="12700" cmpd="sng">
+            <a:solidFill>
+              <a:srgbClr val="262626"/>
+            </a:solidFill>
+            <a:prstDash val="lgDash"/>
+          </a:ln>
+          <a:effectLst/>
+        </p:spPr>
+        <p:style>
+          <a:lnRef idx="2">
+            <a:schemeClr val="accent1"/>
+          </a:lnRef>
+          <a:fillRef idx="0">
+            <a:schemeClr val="accent1"/>
+          </a:fillRef>
+          <a:effectRef idx="1">
+            <a:schemeClr val="accent1"/>
+          </a:effectRef>
+          <a:fontRef idx="minor">
+            <a:schemeClr val="tx1"/>
+          </a:fontRef>
+        </p:style>
+      </p:cxnSp>
+      <p:sp>
+        <p:nvSpPr>
+          <p:cNvPr id="134" name="Oval 133"/>
           <p:cNvSpPr>
             <a:spLocks noChangeAspect="1"/>
           </p:cNvSpPr>
@@ -4610,7 +4921,7 @@
         </p:nvSpPr>
         <p:spPr>
           <a:xfrm>
-            <a:off x="4720959" y="2111994"/>
+            <a:off x="4996803" y="1950605"/>
             <a:ext cx="105107" cy="109727"/>
           </a:xfrm>
           <a:prstGeom prst="ellipse">
@@ -4654,7 +4965,7 @@
       </p:sp>
       <p:sp>
         <p:nvSpPr>
-          <p:cNvPr id="37" name="Oval 36"/>
+          <p:cNvPr id="135" name="Oval 134"/>
           <p:cNvSpPr>
             <a:spLocks noChangeAspect="1"/>
           </p:cNvSpPr>
@@ -4662,7 +4973,7 @@
         </p:nvSpPr>
         <p:spPr>
           <a:xfrm>
-            <a:off x="4545783" y="1654793"/>
+            <a:off x="5306100" y="2359998"/>
             <a:ext cx="105107" cy="109727"/>
           </a:xfrm>
           <a:prstGeom prst="ellipse">
@@ -4700,13 +5011,13 @@
           <a:lstStyle/>
           <a:p>
             <a:pPr algn="ctr"/>
-            <a:endParaRPr lang="en-US"/>
-          </a:p>
-        </p:txBody>
-      </p:sp>
-      <p:sp>
-        <p:nvSpPr>
-          <p:cNvPr id="38" name="Oval 37"/>
+            <a:endParaRPr lang="en-US" dirty="0"/>
+          </a:p>
+        </p:txBody>
+      </p:sp>
+      <p:sp>
+        <p:nvSpPr>
+          <p:cNvPr id="136" name="Oval 135"/>
           <p:cNvSpPr>
             <a:spLocks noChangeAspect="1"/>
           </p:cNvSpPr>
@@ -4714,7 +5025,7 @@
         </p:nvSpPr>
         <p:spPr>
           <a:xfrm>
-            <a:off x="4414398" y="2004002"/>
+            <a:off x="5648708" y="2180574"/>
             <a:ext cx="105107" cy="109727"/>
           </a:xfrm>
           <a:prstGeom prst="ellipse">
@@ -4752,50 +5063,62 @@
           <a:lstStyle/>
           <a:p>
             <a:pPr algn="ctr"/>
-            <a:endParaRPr lang="en-US" sz="1400"/>
-          </a:p>
-        </p:txBody>
-      </p:sp>
-      <p:cxnSp>
-        <p:nvCxnSpPr>
-          <p:cNvPr id="39" name="Straight Connector 38"/>
-          <p:cNvCxnSpPr/>
-          <p:nvPr/>
-        </p:nvCxnSpPr>
-        <p:spPr>
-          <a:xfrm flipV="1">
-            <a:off x="3616010" y="385884"/>
-            <a:ext cx="1769692" cy="2234336"/>
-          </a:xfrm>
-          <a:prstGeom prst="line">
-            <a:avLst/>
-          </a:prstGeom>
+            <a:endParaRPr lang="en-US" dirty="0"/>
+          </a:p>
+        </p:txBody>
+      </p:sp>
+      <p:sp>
+        <p:nvSpPr>
+          <p:cNvPr id="137" name="Oval 136"/>
+          <p:cNvSpPr>
+            <a:spLocks noChangeAspect="1"/>
+          </p:cNvSpPr>
+          <p:nvPr/>
+        </p:nvSpPr>
+        <p:spPr>
+          <a:xfrm>
+            <a:off x="3303509" y="473423"/>
+            <a:ext cx="105107" cy="109727"/>
+          </a:xfrm>
+          <a:prstGeom prst="ellipse">
+            <a:avLst/>
+          </a:prstGeom>
+          <a:solidFill>
+            <a:schemeClr val="bg1"/>
+          </a:solidFill>
           <a:ln w="12700" cmpd="sng">
             <a:solidFill>
-              <a:srgbClr val="262626"/>
+              <a:srgbClr val="C0504D"/>
             </a:solidFill>
-            <a:prstDash val="lgDash"/>
           </a:ln>
           <a:effectLst/>
         </p:spPr>
         <p:style>
-          <a:lnRef idx="2">
+          <a:lnRef idx="1">
             <a:schemeClr val="accent1"/>
           </a:lnRef>
-          <a:fillRef idx="0">
+          <a:fillRef idx="3">
             <a:schemeClr val="accent1"/>
           </a:fillRef>
-          <a:effectRef idx="1">
+          <a:effectRef idx="2">
             <a:schemeClr val="accent1"/>
           </a:effectRef>
           <a:fontRef idx="minor">
-            <a:schemeClr val="tx1"/>
+            <a:schemeClr val="lt1"/>
           </a:fontRef>
         </p:style>
-      </p:cxnSp>
-      <p:sp>
-        <p:nvSpPr>
-          <p:cNvPr id="40" name="Oval 39"/>
+        <p:txBody>
+          <a:bodyPr rtlCol="0" anchor="ctr"/>
+          <a:lstStyle/>
+          <a:p>
+            <a:pPr algn="ctr"/>
+            <a:endParaRPr lang="en-US" dirty="0"/>
+          </a:p>
+        </p:txBody>
+      </p:sp>
+      <p:sp>
+        <p:nvSpPr>
+          <p:cNvPr id="138" name="Oval 137"/>
           <p:cNvSpPr>
             <a:spLocks noChangeAspect="1"/>
           </p:cNvSpPr>
@@ -4803,7 +5126,7 @@
         </p:nvSpPr>
         <p:spPr>
           <a:xfrm>
-            <a:off x="4996803" y="1950605"/>
+            <a:off x="3566279" y="431384"/>
             <a:ext cx="105107" cy="109727"/>
           </a:xfrm>
           <a:prstGeom prst="ellipse">
@@ -4811,6 +5134,106 @@
           </a:prstGeom>
           <a:solidFill>
             <a:schemeClr val="bg1"/>
+          </a:solidFill>
+          <a:ln w="12700" cmpd="sng">
+            <a:solidFill>
+              <a:srgbClr val="C0504D"/>
+            </a:solidFill>
+          </a:ln>
+          <a:effectLst/>
+        </p:spPr>
+        <p:style>
+          <a:lnRef idx="1">
+            <a:schemeClr val="accent1"/>
+          </a:lnRef>
+          <a:fillRef idx="3">
+            <a:schemeClr val="accent1"/>
+          </a:fillRef>
+          <a:effectRef idx="2">
+            <a:schemeClr val="accent1"/>
+          </a:effectRef>
+          <a:fontRef idx="minor">
+            <a:schemeClr val="lt1"/>
+          </a:fontRef>
+        </p:style>
+        <p:txBody>
+          <a:bodyPr rtlCol="0" anchor="ctr"/>
+          <a:lstStyle/>
+          <a:p>
+            <a:pPr algn="ctr"/>
+            <a:endParaRPr lang="en-US" dirty="0"/>
+          </a:p>
+        </p:txBody>
+      </p:sp>
+      <p:sp>
+        <p:nvSpPr>
+          <p:cNvPr id="139" name="Oval 138"/>
+          <p:cNvSpPr>
+            <a:spLocks noChangeAspect="1"/>
+          </p:cNvSpPr>
+          <p:nvPr/>
+        </p:nvSpPr>
+        <p:spPr>
+          <a:xfrm>
+            <a:off x="3434894" y="115340"/>
+            <a:ext cx="105107" cy="109727"/>
+          </a:xfrm>
+          <a:prstGeom prst="ellipse">
+            <a:avLst/>
+          </a:prstGeom>
+          <a:solidFill>
+            <a:schemeClr val="bg1"/>
+          </a:solidFill>
+          <a:ln w="12700" cmpd="sng">
+            <a:solidFill>
+              <a:srgbClr val="C0504D"/>
+            </a:solidFill>
+          </a:ln>
+          <a:effectLst/>
+        </p:spPr>
+        <p:style>
+          <a:lnRef idx="1">
+            <a:schemeClr val="accent1"/>
+          </a:lnRef>
+          <a:fillRef idx="3">
+            <a:schemeClr val="accent1"/>
+          </a:fillRef>
+          <a:effectRef idx="2">
+            <a:schemeClr val="accent1"/>
+          </a:effectRef>
+          <a:fontRef idx="minor">
+            <a:schemeClr val="lt1"/>
+          </a:fontRef>
+        </p:style>
+        <p:txBody>
+          <a:bodyPr rtlCol="0" anchor="ctr"/>
+          <a:lstStyle/>
+          <a:p>
+            <a:pPr algn="ctr"/>
+            <a:endParaRPr lang="en-US" dirty="0"/>
+          </a:p>
+        </p:txBody>
+      </p:sp>
+      <p:sp>
+        <p:nvSpPr>
+          <p:cNvPr id="140" name="Oval 139"/>
+          <p:cNvSpPr>
+            <a:spLocks noChangeAspect="1"/>
+          </p:cNvSpPr>
+          <p:nvPr/>
+        </p:nvSpPr>
+        <p:spPr>
+          <a:xfrm>
+            <a:off x="3770994" y="1317235"/>
+            <a:ext cx="105107" cy="109727"/>
+          </a:xfrm>
+          <a:prstGeom prst="ellipse">
+            <a:avLst/>
+          </a:prstGeom>
+          <a:solidFill>
+            <a:schemeClr val="bg1">
+              <a:lumMod val="50000"/>
+            </a:schemeClr>
           </a:solidFill>
           <a:ln w="12700" cmpd="sng">
             <a:solidFill>
@@ -4841,13 +5264,87 @@
           <a:lstStyle/>
           <a:p>
             <a:pPr algn="ctr"/>
-            <a:endParaRPr lang="en-US" sz="1400" dirty="0"/>
-          </a:p>
-        </p:txBody>
-      </p:sp>
-      <p:sp>
-        <p:nvSpPr>
-          <p:cNvPr id="41" name="Oval 40"/>
+            <a:endParaRPr lang="en-US"/>
+          </a:p>
+        </p:txBody>
+      </p:sp>
+      <p:cxnSp>
+        <p:nvCxnSpPr>
+          <p:cNvPr id="141" name="Straight Connector 140"/>
+          <p:cNvCxnSpPr/>
+          <p:nvPr/>
+        </p:nvCxnSpPr>
+        <p:spPr>
+          <a:xfrm flipV="1">
+            <a:off x="3540001" y="385889"/>
+            <a:ext cx="1948883" cy="1904412"/>
+          </a:xfrm>
+          <a:prstGeom prst="line">
+            <a:avLst/>
+          </a:prstGeom>
+          <a:ln w="12700" cmpd="sng">
+            <a:solidFill>
+              <a:srgbClr val="262626"/>
+            </a:solidFill>
+            <a:prstDash val="lgDash"/>
+          </a:ln>
+          <a:effectLst/>
+        </p:spPr>
+        <p:style>
+          <a:lnRef idx="2">
+            <a:schemeClr val="accent1"/>
+          </a:lnRef>
+          <a:fillRef idx="0">
+            <a:schemeClr val="accent1"/>
+          </a:fillRef>
+          <a:effectRef idx="1">
+            <a:schemeClr val="accent1"/>
+          </a:effectRef>
+          <a:fontRef idx="minor">
+            <a:schemeClr val="tx1"/>
+          </a:fontRef>
+        </p:style>
+      </p:cxnSp>
+      <p:cxnSp>
+        <p:nvCxnSpPr>
+          <p:cNvPr id="142" name="Straight Connector 141"/>
+          <p:cNvCxnSpPr/>
+          <p:nvPr/>
+        </p:nvCxnSpPr>
+        <p:spPr>
+          <a:xfrm flipV="1">
+            <a:off x="3540001" y="402558"/>
+            <a:ext cx="1197557" cy="2234334"/>
+          </a:xfrm>
+          <a:prstGeom prst="line">
+            <a:avLst/>
+          </a:prstGeom>
+          <a:ln w="12700" cmpd="sng">
+            <a:solidFill>
+              <a:srgbClr val="262626"/>
+            </a:solidFill>
+            <a:prstDash val="lgDash"/>
+          </a:ln>
+          <a:effectLst/>
+        </p:spPr>
+        <p:style>
+          <a:lnRef idx="2">
+            <a:schemeClr val="accent1"/>
+          </a:lnRef>
+          <a:fillRef idx="0">
+            <a:schemeClr val="accent1"/>
+          </a:fillRef>
+          <a:effectRef idx="1">
+            <a:schemeClr val="accent1"/>
+          </a:effectRef>
+          <a:fontRef idx="minor">
+            <a:schemeClr val="tx1"/>
+          </a:fontRef>
+        </p:style>
+      </p:cxnSp>
+      <p:sp>
+        <p:nvSpPr>
+          <p:cNvPr id="143" name="Oval 142"/>
           <p:cNvSpPr>
             <a:spLocks noChangeAspect="1"/>
           </p:cNvSpPr>
@@ -4855,14 +5352,16 @@
         </p:nvSpPr>
         <p:spPr>
           <a:xfrm>
-            <a:off x="5306100" y="2359998"/>
+            <a:off x="6991731" y="1036036"/>
             <a:ext cx="105107" cy="109727"/>
           </a:xfrm>
           <a:prstGeom prst="ellipse">
             <a:avLst/>
           </a:prstGeom>
           <a:solidFill>
-            <a:schemeClr val="bg1"/>
+            <a:schemeClr val="bg1">
+              <a:lumMod val="50000"/>
+            </a:schemeClr>
           </a:solidFill>
           <a:ln w="12700" cmpd="sng">
             <a:solidFill>
@@ -4893,13 +5392,13 @@
           <a:lstStyle/>
           <a:p>
             <a:pPr algn="ctr"/>
-            <a:endParaRPr lang="en-US" dirty="0"/>
-          </a:p>
-        </p:txBody>
-      </p:sp>
-      <p:sp>
-        <p:nvSpPr>
-          <p:cNvPr id="42" name="Oval 41"/>
+            <a:endParaRPr lang="en-US"/>
+          </a:p>
+        </p:txBody>
+      </p:sp>
+      <p:sp>
+        <p:nvSpPr>
+          <p:cNvPr id="144" name="Oval 143"/>
           <p:cNvSpPr>
             <a:spLocks noChangeAspect="1"/>
           </p:cNvSpPr>
@@ -4907,7 +5406,7 @@
         </p:nvSpPr>
         <p:spPr>
           <a:xfrm>
-            <a:off x="5648708" y="2180574"/>
+            <a:off x="7308309" y="1203158"/>
             <a:ext cx="105107" cy="109727"/>
           </a:xfrm>
           <a:prstGeom prst="ellipse">
@@ -4945,13 +5444,17 @@
           <a:lstStyle/>
           <a:p>
             <a:pPr algn="ctr"/>
+            <a:r>
+              <a:rPr lang="en-US" dirty="0" smtClean="0"/>
+              <a:t>v</a:t>
+            </a:r>
             <a:endParaRPr lang="en-US" dirty="0"/>
           </a:p>
         </p:txBody>
       </p:sp>
       <p:sp>
         <p:nvSpPr>
-          <p:cNvPr id="43" name="Oval 42"/>
+          <p:cNvPr id="145" name="Oval 144"/>
           <p:cNvSpPr>
             <a:spLocks noChangeAspect="1"/>
           </p:cNvSpPr>
@@ -4959,14 +5462,16 @@
         </p:nvSpPr>
         <p:spPr>
           <a:xfrm>
-            <a:off x="3303509" y="473423"/>
+            <a:off x="7459441" y="853156"/>
             <a:ext cx="105107" cy="109727"/>
           </a:xfrm>
           <a:prstGeom prst="ellipse">
             <a:avLst/>
           </a:prstGeom>
           <a:solidFill>
-            <a:schemeClr val="bg1"/>
+            <a:schemeClr val="bg1">
+              <a:lumMod val="50000"/>
+            </a:schemeClr>
           </a:solidFill>
           <a:ln w="12700" cmpd="sng">
             <a:solidFill>
@@ -4997,13 +5502,13 @@
           <a:lstStyle/>
           <a:p>
             <a:pPr algn="ctr"/>
-            <a:endParaRPr lang="en-US" dirty="0"/>
-          </a:p>
-        </p:txBody>
-      </p:sp>
-      <p:sp>
-        <p:nvSpPr>
-          <p:cNvPr id="44" name="Oval 43"/>
+            <a:endParaRPr lang="en-US"/>
+          </a:p>
+        </p:txBody>
+      </p:sp>
+      <p:sp>
+        <p:nvSpPr>
+          <p:cNvPr id="146" name="Oval 145"/>
           <p:cNvSpPr>
             <a:spLocks noChangeAspect="1"/>
           </p:cNvSpPr>
@@ -5011,14 +5516,16 @@
         </p:nvSpPr>
         <p:spPr>
           <a:xfrm>
-            <a:off x="3566279" y="431384"/>
+            <a:off x="6904141" y="1566104"/>
             <a:ext cx="105107" cy="109727"/>
           </a:xfrm>
           <a:prstGeom prst="ellipse">
             <a:avLst/>
           </a:prstGeom>
           <a:solidFill>
-            <a:schemeClr val="bg1"/>
+            <a:schemeClr val="bg1">
+              <a:lumMod val="50000"/>
+            </a:schemeClr>
           </a:solidFill>
           <a:ln w="12700" cmpd="sng">
             <a:solidFill>
@@ -5049,13 +5556,13 @@
           <a:lstStyle/>
           <a:p>
             <a:pPr algn="ctr"/>
-            <a:endParaRPr lang="en-US" dirty="0"/>
-          </a:p>
-        </p:txBody>
-      </p:sp>
-      <p:sp>
-        <p:nvSpPr>
-          <p:cNvPr id="45" name="Oval 44"/>
+            <a:endParaRPr lang="en-US"/>
+          </a:p>
+        </p:txBody>
+      </p:sp>
+      <p:sp>
+        <p:nvSpPr>
+          <p:cNvPr id="147" name="Oval 146"/>
           <p:cNvSpPr>
             <a:spLocks noChangeAspect="1"/>
           </p:cNvSpPr>
@@ -5063,14 +5570,16 @@
         </p:nvSpPr>
         <p:spPr>
           <a:xfrm>
-            <a:off x="3434894" y="115340"/>
+            <a:off x="6434682" y="990312"/>
             <a:ext cx="105107" cy="109727"/>
           </a:xfrm>
           <a:prstGeom prst="ellipse">
             <a:avLst/>
           </a:prstGeom>
           <a:solidFill>
-            <a:schemeClr val="bg1"/>
+            <a:schemeClr val="bg1">
+              <a:lumMod val="50000"/>
+            </a:schemeClr>
           </a:solidFill>
           <a:ln w="12700" cmpd="sng">
             <a:solidFill>
@@ -5101,13 +5610,13 @@
           <a:lstStyle/>
           <a:p>
             <a:pPr algn="ctr"/>
-            <a:endParaRPr lang="en-US" dirty="0"/>
-          </a:p>
-        </p:txBody>
-      </p:sp>
-      <p:sp>
-        <p:nvSpPr>
-          <p:cNvPr id="46" name="Oval 45"/>
+            <a:endParaRPr lang="en-US"/>
+          </a:p>
+        </p:txBody>
+      </p:sp>
+      <p:sp>
+        <p:nvSpPr>
+          <p:cNvPr id="148" name="Oval 147"/>
           <p:cNvSpPr>
             <a:spLocks noChangeAspect="1"/>
           </p:cNvSpPr>
@@ -5115,7 +5624,7 @@
         </p:nvSpPr>
         <p:spPr>
           <a:xfrm>
-            <a:off x="3770994" y="1317235"/>
+            <a:off x="6989638" y="543947"/>
             <a:ext cx="105107" cy="109727"/>
           </a:xfrm>
           <a:prstGeom prst="ellipse">
@@ -5159,83 +5668,9 @@
           </a:p>
         </p:txBody>
       </p:sp>
-      <p:cxnSp>
-        <p:nvCxnSpPr>
-          <p:cNvPr id="47" name="Straight Connector 46"/>
-          <p:cNvCxnSpPr/>
-          <p:nvPr/>
-        </p:nvCxnSpPr>
-        <p:spPr>
-          <a:xfrm flipV="1">
-            <a:off x="3408616" y="517739"/>
-            <a:ext cx="2240092" cy="1707152"/>
-          </a:xfrm>
-          <a:prstGeom prst="line">
-            <a:avLst/>
-          </a:prstGeom>
-          <a:ln w="12700" cmpd="sng">
-            <a:solidFill>
-              <a:srgbClr val="262626"/>
-            </a:solidFill>
-            <a:prstDash val="lgDash"/>
-          </a:ln>
-          <a:effectLst/>
-        </p:spPr>
-        <p:style>
-          <a:lnRef idx="2">
-            <a:schemeClr val="accent1"/>
-          </a:lnRef>
-          <a:fillRef idx="0">
-            <a:schemeClr val="accent1"/>
-          </a:fillRef>
-          <a:effectRef idx="1">
-            <a:schemeClr val="accent1"/>
-          </a:effectRef>
-          <a:fontRef idx="minor">
-            <a:schemeClr val="tx1"/>
-          </a:fontRef>
-        </p:style>
-      </p:cxnSp>
-      <p:cxnSp>
-        <p:nvCxnSpPr>
-          <p:cNvPr id="48" name="Straight Connector 47"/>
-          <p:cNvCxnSpPr/>
-          <p:nvPr/>
-        </p:nvCxnSpPr>
-        <p:spPr>
-          <a:xfrm flipV="1">
-            <a:off x="3540001" y="402558"/>
-            <a:ext cx="1197557" cy="2234334"/>
-          </a:xfrm>
-          <a:prstGeom prst="line">
-            <a:avLst/>
-          </a:prstGeom>
-          <a:ln w="12700" cmpd="sng">
-            <a:solidFill>
-              <a:srgbClr val="262626"/>
-            </a:solidFill>
-            <a:prstDash val="lgDash"/>
-          </a:ln>
-          <a:effectLst/>
-        </p:spPr>
-        <p:style>
-          <a:lnRef idx="2">
-            <a:schemeClr val="accent1"/>
-          </a:lnRef>
-          <a:fillRef idx="0">
-            <a:schemeClr val="accent1"/>
-          </a:fillRef>
-          <a:effectRef idx="1">
-            <a:schemeClr val="accent1"/>
-          </a:effectRef>
-          <a:fontRef idx="minor">
-            <a:schemeClr val="tx1"/>
-          </a:fontRef>
-        </p:style>
-      </p:cxnSp>
-      <p:sp>
-        <p:nvSpPr>
-          <p:cNvPr id="49" name="Oval 48"/>
+      <p:sp>
+        <p:nvSpPr>
+          <p:cNvPr id="149" name="Oval 148"/>
           <p:cNvSpPr>
             <a:spLocks noChangeAspect="1"/>
           </p:cNvSpPr>
@@ -5243,7 +5678,7 @@
         </p:nvSpPr>
         <p:spPr>
           <a:xfrm>
-            <a:off x="6991731" y="1036036"/>
+            <a:off x="7836062" y="1371315"/>
             <a:ext cx="105107" cy="109727"/>
           </a:xfrm>
           <a:prstGeom prst="ellipse">
@@ -5289,7 +5724,7 @@
       </p:sp>
       <p:sp>
         <p:nvSpPr>
-          <p:cNvPr id="50" name="Oval 49"/>
+          <p:cNvPr id="150" name="Oval 149"/>
           <p:cNvSpPr>
             <a:spLocks noChangeAspect="1"/>
           </p:cNvSpPr>
@@ -5297,7 +5732,7 @@
         </p:nvSpPr>
         <p:spPr>
           <a:xfrm>
-            <a:off x="7308309" y="1203158"/>
+            <a:off x="8158331" y="1657544"/>
             <a:ext cx="105107" cy="109727"/>
           </a:xfrm>
           <a:prstGeom prst="ellipse">
@@ -5335,17 +5770,13 @@
           <a:lstStyle/>
           <a:p>
             <a:pPr algn="ctr"/>
-            <a:r>
-              <a:rPr lang="en-US" dirty="0" smtClean="0"/>
-              <a:t>v</a:t>
-            </a:r>
-            <a:endParaRPr lang="en-US" dirty="0"/>
-          </a:p>
-        </p:txBody>
-      </p:sp>
-      <p:sp>
-        <p:nvSpPr>
-          <p:cNvPr id="51" name="Oval 50"/>
+            <a:endParaRPr lang="en-US"/>
+          </a:p>
+        </p:txBody>
+      </p:sp>
+      <p:sp>
+        <p:nvSpPr>
+          <p:cNvPr id="151" name="Oval 150"/>
           <p:cNvSpPr>
             <a:spLocks noChangeAspect="1"/>
           </p:cNvSpPr>
@@ -5353,16 +5784,14 @@
         </p:nvSpPr>
         <p:spPr>
           <a:xfrm>
-            <a:off x="7459441" y="853156"/>
+            <a:off x="7720748" y="2066497"/>
             <a:ext cx="105107" cy="109727"/>
           </a:xfrm>
           <a:prstGeom prst="ellipse">
             <a:avLst/>
           </a:prstGeom>
           <a:solidFill>
-            <a:schemeClr val="bg1">
-              <a:lumMod val="50000"/>
-            </a:schemeClr>
+            <a:schemeClr val="bg1"/>
           </a:solidFill>
           <a:ln w="12700" cmpd="sng">
             <a:solidFill>
@@ -5393,13 +5822,13 @@
           <a:lstStyle/>
           <a:p>
             <a:pPr algn="ctr"/>
-            <a:endParaRPr lang="en-US"/>
-          </a:p>
-        </p:txBody>
-      </p:sp>
-      <p:sp>
-        <p:nvSpPr>
-          <p:cNvPr id="52" name="Oval 51"/>
+            <a:endParaRPr lang="en-US" sz="1400" dirty="0"/>
+          </a:p>
+        </p:txBody>
+      </p:sp>
+      <p:sp>
+        <p:nvSpPr>
+          <p:cNvPr id="152" name="Oval 151"/>
           <p:cNvSpPr>
             <a:spLocks noChangeAspect="1"/>
           </p:cNvSpPr>
@@ -5407,16 +5836,14 @@
         </p:nvSpPr>
         <p:spPr>
           <a:xfrm>
-            <a:off x="6904141" y="1566104"/>
+            <a:off x="7545571" y="1609297"/>
             <a:ext cx="105107" cy="109727"/>
           </a:xfrm>
           <a:prstGeom prst="ellipse">
             <a:avLst/>
           </a:prstGeom>
           <a:solidFill>
-            <a:schemeClr val="bg1">
-              <a:lumMod val="50000"/>
-            </a:schemeClr>
+            <a:schemeClr val="bg1"/>
           </a:solidFill>
           <a:ln w="12700" cmpd="sng">
             <a:solidFill>
@@ -5453,7 +5880,7 @@
       </p:sp>
       <p:sp>
         <p:nvSpPr>
-          <p:cNvPr id="53" name="Oval 52"/>
+          <p:cNvPr id="153" name="Oval 152"/>
           <p:cNvSpPr>
             <a:spLocks noChangeAspect="1"/>
           </p:cNvSpPr>
@@ -5461,16 +5888,14 @@
         </p:nvSpPr>
         <p:spPr>
           <a:xfrm>
-            <a:off x="6434682" y="990312"/>
+            <a:off x="7414186" y="1958504"/>
             <a:ext cx="105107" cy="109727"/>
           </a:xfrm>
           <a:prstGeom prst="ellipse">
             <a:avLst/>
           </a:prstGeom>
           <a:solidFill>
-            <a:schemeClr val="bg1">
-              <a:lumMod val="50000"/>
-            </a:schemeClr>
+            <a:schemeClr val="bg1"/>
           </a:solidFill>
           <a:ln w="12700" cmpd="sng">
             <a:solidFill>
@@ -5501,13 +5926,13 @@
           <a:lstStyle/>
           <a:p>
             <a:pPr algn="ctr"/>
-            <a:endParaRPr lang="en-US"/>
-          </a:p>
-        </p:txBody>
-      </p:sp>
-      <p:sp>
-        <p:nvSpPr>
-          <p:cNvPr id="54" name="Oval 53"/>
+            <a:endParaRPr lang="en-US" sz="1400"/>
+          </a:p>
+        </p:txBody>
+      </p:sp>
+      <p:sp>
+        <p:nvSpPr>
+          <p:cNvPr id="154" name="Oval 153"/>
           <p:cNvSpPr>
             <a:spLocks noChangeAspect="1"/>
           </p:cNvSpPr>
@@ -5515,16 +5940,14 @@
         </p:nvSpPr>
         <p:spPr>
           <a:xfrm>
-            <a:off x="6927302" y="466047"/>
+            <a:off x="7996591" y="1905104"/>
             <a:ext cx="105107" cy="109727"/>
           </a:xfrm>
           <a:prstGeom prst="ellipse">
             <a:avLst/>
           </a:prstGeom>
           <a:solidFill>
-            <a:schemeClr val="bg1">
-              <a:lumMod val="50000"/>
-            </a:schemeClr>
+            <a:schemeClr val="bg1"/>
           </a:solidFill>
           <a:ln w="12700" cmpd="sng">
             <a:solidFill>
@@ -5555,13 +5978,13 @@
           <a:lstStyle/>
           <a:p>
             <a:pPr algn="ctr"/>
-            <a:endParaRPr lang="en-US"/>
-          </a:p>
-        </p:txBody>
-      </p:sp>
-      <p:sp>
-        <p:nvSpPr>
-          <p:cNvPr id="55" name="Oval 54"/>
+            <a:endParaRPr lang="en-US" sz="1400" dirty="0"/>
+          </a:p>
+        </p:txBody>
+      </p:sp>
+      <p:sp>
+        <p:nvSpPr>
+          <p:cNvPr id="155" name="Oval 154"/>
           <p:cNvSpPr>
             <a:spLocks noChangeAspect="1"/>
           </p:cNvSpPr>
@@ -5569,16 +5992,14 @@
         </p:nvSpPr>
         <p:spPr>
           <a:xfrm>
-            <a:off x="7836062" y="1371315"/>
+            <a:off x="8305888" y="2314501"/>
             <a:ext cx="105107" cy="109727"/>
           </a:xfrm>
           <a:prstGeom prst="ellipse">
             <a:avLst/>
           </a:prstGeom>
           <a:solidFill>
-            <a:schemeClr val="bg1">
-              <a:lumMod val="50000"/>
-            </a:schemeClr>
+            <a:schemeClr val="bg1"/>
           </a:solidFill>
           <a:ln w="12700" cmpd="sng">
             <a:solidFill>
@@ -5609,13 +6030,13 @@
           <a:lstStyle/>
           <a:p>
             <a:pPr algn="ctr"/>
-            <a:endParaRPr lang="en-US"/>
-          </a:p>
-        </p:txBody>
-      </p:sp>
-      <p:sp>
-        <p:nvSpPr>
-          <p:cNvPr id="56" name="Oval 55"/>
+            <a:endParaRPr lang="en-US" dirty="0"/>
+          </a:p>
+        </p:txBody>
+      </p:sp>
+      <p:sp>
+        <p:nvSpPr>
+          <p:cNvPr id="156" name="Oval 155"/>
           <p:cNvSpPr>
             <a:spLocks noChangeAspect="1"/>
           </p:cNvSpPr>
@@ -5623,7 +6044,7 @@
         </p:nvSpPr>
         <p:spPr>
           <a:xfrm>
-            <a:off x="8158331" y="1657544"/>
+            <a:off x="8648496" y="2135077"/>
             <a:ext cx="105107" cy="109727"/>
           </a:xfrm>
           <a:prstGeom prst="ellipse">
@@ -5661,13 +6082,13 @@
           <a:lstStyle/>
           <a:p>
             <a:pPr algn="ctr"/>
-            <a:endParaRPr lang="en-US"/>
-          </a:p>
-        </p:txBody>
-      </p:sp>
-      <p:sp>
-        <p:nvSpPr>
-          <p:cNvPr id="57" name="Oval 56"/>
+            <a:endParaRPr lang="en-US" dirty="0"/>
+          </a:p>
+        </p:txBody>
+      </p:sp>
+      <p:sp>
+        <p:nvSpPr>
+          <p:cNvPr id="157" name="Oval 156"/>
           <p:cNvSpPr>
             <a:spLocks noChangeAspect="1"/>
           </p:cNvSpPr>
@@ -5675,7 +6096,7 @@
         </p:nvSpPr>
         <p:spPr>
           <a:xfrm>
-            <a:off x="7720748" y="2066497"/>
+            <a:off x="6303297" y="427925"/>
             <a:ext cx="105107" cy="109727"/>
           </a:xfrm>
           <a:prstGeom prst="ellipse">
@@ -5683,6 +6104,155 @@
           </a:prstGeom>
           <a:solidFill>
             <a:schemeClr val="bg1"/>
+          </a:solidFill>
+          <a:ln w="12700" cmpd="sng">
+            <a:solidFill>
+              <a:srgbClr val="C0504D"/>
+            </a:solidFill>
+          </a:ln>
+          <a:effectLst/>
+        </p:spPr>
+        <p:style>
+          <a:lnRef idx="1">
+            <a:schemeClr val="accent1"/>
+          </a:lnRef>
+          <a:fillRef idx="3">
+            <a:schemeClr val="accent1"/>
+          </a:fillRef>
+          <a:effectRef idx="2">
+            <a:schemeClr val="accent1"/>
+          </a:effectRef>
+          <a:fontRef idx="minor">
+            <a:schemeClr val="lt1"/>
+          </a:fontRef>
+        </p:style>
+        <p:txBody>
+          <a:bodyPr rtlCol="0" anchor="ctr"/>
+          <a:lstStyle/>
+          <a:p>
+            <a:pPr algn="ctr"/>
+            <a:endParaRPr lang="en-US" dirty="0"/>
+          </a:p>
+        </p:txBody>
+      </p:sp>
+      <p:sp>
+        <p:nvSpPr>
+          <p:cNvPr id="158" name="Oval 157"/>
+          <p:cNvSpPr>
+            <a:spLocks noChangeAspect="1"/>
+          </p:cNvSpPr>
+          <p:nvPr/>
+        </p:nvSpPr>
+        <p:spPr>
+          <a:xfrm>
+            <a:off x="6566067" y="385888"/>
+            <a:ext cx="105107" cy="109727"/>
+          </a:xfrm>
+          <a:prstGeom prst="ellipse">
+            <a:avLst/>
+          </a:prstGeom>
+          <a:solidFill>
+            <a:schemeClr val="bg1"/>
+          </a:solidFill>
+          <a:ln w="12700" cmpd="sng">
+            <a:solidFill>
+              <a:srgbClr val="C0504D"/>
+            </a:solidFill>
+          </a:ln>
+          <a:effectLst/>
+        </p:spPr>
+        <p:style>
+          <a:lnRef idx="1">
+            <a:schemeClr val="accent1"/>
+          </a:lnRef>
+          <a:fillRef idx="3">
+            <a:schemeClr val="accent1"/>
+          </a:fillRef>
+          <a:effectRef idx="2">
+            <a:schemeClr val="accent1"/>
+          </a:effectRef>
+          <a:fontRef idx="minor">
+            <a:schemeClr val="lt1"/>
+          </a:fontRef>
+        </p:style>
+        <p:txBody>
+          <a:bodyPr rtlCol="0" anchor="ctr"/>
+          <a:lstStyle/>
+          <a:p>
+            <a:pPr algn="ctr"/>
+            <a:endParaRPr lang="en-US" dirty="0"/>
+          </a:p>
+        </p:txBody>
+      </p:sp>
+      <p:sp>
+        <p:nvSpPr>
+          <p:cNvPr id="159" name="Oval 158"/>
+          <p:cNvSpPr>
+            <a:spLocks noChangeAspect="1"/>
+          </p:cNvSpPr>
+          <p:nvPr/>
+        </p:nvSpPr>
+        <p:spPr>
+          <a:xfrm>
+            <a:off x="6434682" y="69839"/>
+            <a:ext cx="105107" cy="109727"/>
+          </a:xfrm>
+          <a:prstGeom prst="ellipse">
+            <a:avLst/>
+          </a:prstGeom>
+          <a:solidFill>
+            <a:schemeClr val="bg1"/>
+          </a:solidFill>
+          <a:ln w="12700" cmpd="sng">
+            <a:solidFill>
+              <a:srgbClr val="C0504D"/>
+            </a:solidFill>
+          </a:ln>
+          <a:effectLst/>
+        </p:spPr>
+        <p:style>
+          <a:lnRef idx="1">
+            <a:schemeClr val="accent1"/>
+          </a:lnRef>
+          <a:fillRef idx="3">
+            <a:schemeClr val="accent1"/>
+          </a:fillRef>
+          <a:effectRef idx="2">
+            <a:schemeClr val="accent1"/>
+          </a:effectRef>
+          <a:fontRef idx="minor">
+            <a:schemeClr val="lt1"/>
+          </a:fontRef>
+        </p:style>
+        <p:txBody>
+          <a:bodyPr rtlCol="0" anchor="ctr"/>
+          <a:lstStyle/>
+          <a:p>
+            <a:pPr algn="ctr"/>
+            <a:endParaRPr lang="en-US" dirty="0"/>
+          </a:p>
+        </p:txBody>
+      </p:sp>
+      <p:sp>
+        <p:nvSpPr>
+          <p:cNvPr id="160" name="Oval 159"/>
+          <p:cNvSpPr>
+            <a:spLocks noChangeAspect="1"/>
+          </p:cNvSpPr>
+          <p:nvPr/>
+        </p:nvSpPr>
+        <p:spPr>
+          <a:xfrm>
+            <a:off x="6770782" y="1271738"/>
+            <a:ext cx="105107" cy="109727"/>
+          </a:xfrm>
+          <a:prstGeom prst="ellipse">
+            <a:avLst/>
+          </a:prstGeom>
+          <a:solidFill>
+            <a:schemeClr val="bg1">
+              <a:lumMod val="50000"/>
+            </a:schemeClr>
           </a:solidFill>
           <a:ln w="12700" cmpd="sng">
             <a:solidFill>
@@ -5713,13 +6283,55 @@
           <a:lstStyle/>
           <a:p>
             <a:pPr algn="ctr"/>
-            <a:endParaRPr lang="en-US" sz="1400" dirty="0"/>
-          </a:p>
-        </p:txBody>
-      </p:sp>
-      <p:sp>
-        <p:nvSpPr>
-          <p:cNvPr id="58" name="Oval 57"/>
+            <a:endParaRPr lang="en-US"/>
+          </a:p>
+        </p:txBody>
+      </p:sp>
+      <p:sp>
+        <p:nvSpPr>
+          <p:cNvPr id="162" name="TextBox 161"/>
+          <p:cNvSpPr txBox="1"/>
+          <p:nvPr/>
+        </p:nvSpPr>
+        <p:spPr>
+          <a:xfrm rot="2826287">
+            <a:off x="7734344" y="1189462"/>
+            <a:ext cx="1080509" cy="253916"/>
+          </a:xfrm>
+          <a:prstGeom prst="rect">
+            <a:avLst/>
+          </a:prstGeom>
+          <a:noFill/>
+        </p:spPr>
+        <p:txBody>
+          <a:bodyPr wrap="square" rtlCol="0">
+            <a:spAutoFit/>
+          </a:bodyPr>
+          <a:lstStyle/>
+          <a:p>
+            <a:r>
+              <a:rPr lang="en-US" sz="1050" i="1" dirty="0" smtClean="0">
+                <a:solidFill>
+                  <a:srgbClr val="7F7F7F"/>
+                </a:solidFill>
+                <a:latin typeface="Palatino"/>
+                <a:cs typeface="Palatino"/>
+              </a:rPr>
+              <a:t>safe</a:t>
+            </a:r>
+            <a:endParaRPr lang="en-US" sz="1050" i="1" dirty="0">
+              <a:solidFill>
+                <a:srgbClr val="7F7F7F"/>
+              </a:solidFill>
+              <a:latin typeface="Palatino"/>
+              <a:cs typeface="Palatino"/>
+            </a:endParaRPr>
+          </a:p>
+        </p:txBody>
+      </p:sp>
+      <p:sp>
+        <p:nvSpPr>
+          <p:cNvPr id="163" name="Oval 162"/>
           <p:cNvSpPr>
             <a:spLocks noChangeAspect="1"/>
           </p:cNvSpPr>
@@ -5727,14 +6339,16 @@
         </p:nvSpPr>
         <p:spPr>
           <a:xfrm>
-            <a:off x="7545571" y="1609297"/>
+            <a:off x="9895518" y="1104234"/>
             <a:ext cx="105107" cy="109727"/>
           </a:xfrm>
           <a:prstGeom prst="ellipse">
             <a:avLst/>
           </a:prstGeom>
           <a:solidFill>
-            <a:schemeClr val="bg1"/>
+            <a:schemeClr val="bg1">
+              <a:lumMod val="50000"/>
+            </a:schemeClr>
           </a:solidFill>
           <a:ln w="12700" cmpd="sng">
             <a:solidFill>
@@ -5771,7 +6385,7 @@
       </p:sp>
       <p:sp>
         <p:nvSpPr>
-          <p:cNvPr id="59" name="Oval 58"/>
+          <p:cNvPr id="164" name="Oval 163"/>
           <p:cNvSpPr>
             <a:spLocks noChangeAspect="1"/>
           </p:cNvSpPr>
@@ -5779,14 +6393,16 @@
         </p:nvSpPr>
         <p:spPr>
           <a:xfrm>
-            <a:off x="7414186" y="1958504"/>
+            <a:off x="10363228" y="921354"/>
             <a:ext cx="105107" cy="109727"/>
           </a:xfrm>
           <a:prstGeom prst="ellipse">
             <a:avLst/>
           </a:prstGeom>
           <a:solidFill>
-            <a:schemeClr val="bg1"/>
+            <a:schemeClr val="bg1">
+              <a:lumMod val="50000"/>
+            </a:schemeClr>
           </a:solidFill>
           <a:ln w="12700" cmpd="sng">
             <a:solidFill>
@@ -5817,50 +6433,13 @@
           <a:lstStyle/>
           <a:p>
             <a:pPr algn="ctr"/>
-            <a:endParaRPr lang="en-US" sz="1400"/>
-          </a:p>
-        </p:txBody>
-      </p:sp>
-      <p:cxnSp>
-        <p:nvCxnSpPr>
-          <p:cNvPr id="60" name="Straight Connector 59"/>
-          <p:cNvCxnSpPr/>
-          <p:nvPr/>
-        </p:nvCxnSpPr>
-        <p:spPr>
-          <a:xfrm flipV="1">
-            <a:off x="6615798" y="340386"/>
-            <a:ext cx="1769692" cy="2234336"/>
-          </a:xfrm>
-          <a:prstGeom prst="line">
-            <a:avLst/>
-          </a:prstGeom>
-          <a:ln w="12700" cmpd="sng">
-            <a:solidFill>
-              <a:srgbClr val="262626"/>
-            </a:solidFill>
-            <a:prstDash val="lgDash"/>
-          </a:ln>
-          <a:effectLst/>
-        </p:spPr>
-        <p:style>
-          <a:lnRef idx="2">
-            <a:schemeClr val="accent1"/>
-          </a:lnRef>
-          <a:fillRef idx="0">
-            <a:schemeClr val="accent1"/>
-          </a:fillRef>
-          <a:effectRef idx="1">
-            <a:schemeClr val="accent1"/>
-          </a:effectRef>
-          <a:fontRef idx="minor">
-            <a:schemeClr val="tx1"/>
-          </a:fontRef>
-        </p:style>
-      </p:cxnSp>
-      <p:sp>
-        <p:nvSpPr>
-          <p:cNvPr id="61" name="Oval 60"/>
+            <a:endParaRPr lang="en-US"/>
+          </a:p>
+        </p:txBody>
+      </p:sp>
+      <p:sp>
+        <p:nvSpPr>
+          <p:cNvPr id="165" name="Oval 164"/>
           <p:cNvSpPr>
             <a:spLocks noChangeAspect="1"/>
           </p:cNvSpPr>
@@ -5868,14 +6447,16 @@
         </p:nvSpPr>
         <p:spPr>
           <a:xfrm>
-            <a:off x="7996591" y="1905104"/>
+            <a:off x="9807928" y="1634302"/>
             <a:ext cx="105107" cy="109727"/>
           </a:xfrm>
           <a:prstGeom prst="ellipse">
             <a:avLst/>
           </a:prstGeom>
           <a:solidFill>
-            <a:schemeClr val="bg1"/>
+            <a:schemeClr val="bg1">
+              <a:lumMod val="50000"/>
+            </a:schemeClr>
           </a:solidFill>
           <a:ln w="12700" cmpd="sng">
             <a:solidFill>
@@ -5906,13 +6487,13 @@
           <a:lstStyle/>
           <a:p>
             <a:pPr algn="ctr"/>
-            <a:endParaRPr lang="en-US" sz="1400" dirty="0"/>
-          </a:p>
-        </p:txBody>
-      </p:sp>
-      <p:sp>
-        <p:nvSpPr>
-          <p:cNvPr id="62" name="Oval 61"/>
+            <a:endParaRPr lang="en-US"/>
+          </a:p>
+        </p:txBody>
+      </p:sp>
+      <p:sp>
+        <p:nvSpPr>
+          <p:cNvPr id="166" name="Oval 165"/>
           <p:cNvSpPr>
             <a:spLocks noChangeAspect="1"/>
           </p:cNvSpPr>
@@ -5920,14 +6501,16 @@
         </p:nvSpPr>
         <p:spPr>
           <a:xfrm>
-            <a:off x="8305888" y="2314501"/>
+            <a:off x="9338469" y="1058510"/>
             <a:ext cx="105107" cy="109727"/>
           </a:xfrm>
           <a:prstGeom prst="ellipse">
             <a:avLst/>
           </a:prstGeom>
           <a:solidFill>
-            <a:schemeClr val="bg1"/>
+            <a:schemeClr val="bg1">
+              <a:lumMod val="50000"/>
+            </a:schemeClr>
           </a:solidFill>
           <a:ln w="12700" cmpd="sng">
             <a:solidFill>
@@ -5958,13 +6541,13 @@
           <a:lstStyle/>
           <a:p>
             <a:pPr algn="ctr"/>
-            <a:endParaRPr lang="en-US" dirty="0"/>
-          </a:p>
-        </p:txBody>
-      </p:sp>
-      <p:sp>
-        <p:nvSpPr>
-          <p:cNvPr id="63" name="Oval 62"/>
+            <a:endParaRPr lang="en-US"/>
+          </a:p>
+        </p:txBody>
+      </p:sp>
+      <p:sp>
+        <p:nvSpPr>
+          <p:cNvPr id="167" name="Oval 166"/>
           <p:cNvSpPr>
             <a:spLocks noChangeAspect="1"/>
           </p:cNvSpPr>
@@ -5972,14 +6555,16 @@
         </p:nvSpPr>
         <p:spPr>
           <a:xfrm>
-            <a:off x="8648496" y="2135077"/>
+            <a:off x="9891663" y="573256"/>
             <a:ext cx="105107" cy="109727"/>
           </a:xfrm>
           <a:prstGeom prst="ellipse">
             <a:avLst/>
           </a:prstGeom>
           <a:solidFill>
-            <a:schemeClr val="bg1"/>
+            <a:schemeClr val="bg1">
+              <a:lumMod val="50000"/>
+            </a:schemeClr>
           </a:solidFill>
           <a:ln w="12700" cmpd="sng">
             <a:solidFill>
@@ -6010,13 +6595,13 @@
           <a:lstStyle/>
           <a:p>
             <a:pPr algn="ctr"/>
-            <a:endParaRPr lang="en-US" dirty="0"/>
-          </a:p>
-        </p:txBody>
-      </p:sp>
-      <p:sp>
-        <p:nvSpPr>
-          <p:cNvPr id="64" name="Oval 63"/>
+            <a:endParaRPr lang="en-US"/>
+          </a:p>
+        </p:txBody>
+      </p:sp>
+      <p:sp>
+        <p:nvSpPr>
+          <p:cNvPr id="168" name="Oval 167"/>
           <p:cNvSpPr>
             <a:spLocks noChangeAspect="1"/>
           </p:cNvSpPr>
@@ -6024,7 +6609,7 @@
         </p:nvSpPr>
         <p:spPr>
           <a:xfrm>
-            <a:off x="6303297" y="427925"/>
+            <a:off x="11062118" y="1725742"/>
             <a:ext cx="105107" cy="109727"/>
           </a:xfrm>
           <a:prstGeom prst="ellipse">
@@ -6062,13 +6647,13 @@
           <a:lstStyle/>
           <a:p>
             <a:pPr algn="ctr"/>
-            <a:endParaRPr lang="en-US" dirty="0"/>
-          </a:p>
-        </p:txBody>
-      </p:sp>
-      <p:sp>
-        <p:nvSpPr>
-          <p:cNvPr id="65" name="Oval 64"/>
+            <a:endParaRPr lang="en-US"/>
+          </a:p>
+        </p:txBody>
+      </p:sp>
+      <p:sp>
+        <p:nvSpPr>
+          <p:cNvPr id="169" name="Oval 168"/>
           <p:cNvSpPr>
             <a:spLocks noChangeAspect="1"/>
           </p:cNvSpPr>
@@ -6076,7 +6661,7 @@
         </p:nvSpPr>
         <p:spPr>
           <a:xfrm>
-            <a:off x="6566067" y="385888"/>
+            <a:off x="10624535" y="2134695"/>
             <a:ext cx="105107" cy="109727"/>
           </a:xfrm>
           <a:prstGeom prst="ellipse">
@@ -6114,13 +6699,13 @@
           <a:lstStyle/>
           <a:p>
             <a:pPr algn="ctr"/>
-            <a:endParaRPr lang="en-US" dirty="0"/>
-          </a:p>
-        </p:txBody>
-      </p:sp>
-      <p:sp>
-        <p:nvSpPr>
-          <p:cNvPr id="66" name="Oval 65"/>
+            <a:endParaRPr lang="en-US" sz="1400" dirty="0"/>
+          </a:p>
+        </p:txBody>
+      </p:sp>
+      <p:sp>
+        <p:nvSpPr>
+          <p:cNvPr id="170" name="Oval 169"/>
           <p:cNvSpPr>
             <a:spLocks noChangeAspect="1"/>
           </p:cNvSpPr>
@@ -6128,7 +6713,7 @@
         </p:nvSpPr>
         <p:spPr>
           <a:xfrm>
-            <a:off x="6434682" y="69839"/>
+            <a:off x="10449358" y="1677495"/>
             <a:ext cx="105107" cy="109727"/>
           </a:xfrm>
           <a:prstGeom prst="ellipse">
@@ -6166,13 +6751,13 @@
           <a:lstStyle/>
           <a:p>
             <a:pPr algn="ctr"/>
-            <a:endParaRPr lang="en-US" dirty="0"/>
-          </a:p>
-        </p:txBody>
-      </p:sp>
-      <p:sp>
-        <p:nvSpPr>
-          <p:cNvPr id="67" name="Oval 66"/>
+            <a:endParaRPr lang="en-US"/>
+          </a:p>
+        </p:txBody>
+      </p:sp>
+      <p:sp>
+        <p:nvSpPr>
+          <p:cNvPr id="171" name="Oval 170"/>
           <p:cNvSpPr>
             <a:spLocks noChangeAspect="1"/>
           </p:cNvSpPr>
@@ -6180,16 +6765,14 @@
         </p:nvSpPr>
         <p:spPr>
           <a:xfrm>
-            <a:off x="6770782" y="1271738"/>
+            <a:off x="10317973" y="2026702"/>
             <a:ext cx="105107" cy="109727"/>
           </a:xfrm>
           <a:prstGeom prst="ellipse">
             <a:avLst/>
           </a:prstGeom>
           <a:solidFill>
-            <a:schemeClr val="bg1">
-              <a:lumMod val="50000"/>
-            </a:schemeClr>
+            <a:schemeClr val="bg1"/>
           </a:solidFill>
           <a:ln w="12700" cmpd="sng">
             <a:solidFill>
@@ -6220,19 +6803,376 @@
           <a:lstStyle/>
           <a:p>
             <a:pPr algn="ctr"/>
-            <a:endParaRPr lang="en-US"/>
-          </a:p>
-        </p:txBody>
-      </p:sp>
-      <p:sp>
-        <p:nvSpPr>
-          <p:cNvPr id="68" name="Freeform 67"/>
+            <a:endParaRPr lang="en-US" sz="1400"/>
+          </a:p>
+        </p:txBody>
+      </p:sp>
+      <p:sp>
+        <p:nvSpPr>
+          <p:cNvPr id="172" name="Oval 171"/>
+          <p:cNvSpPr>
+            <a:spLocks noChangeAspect="1"/>
+          </p:cNvSpPr>
+          <p:nvPr/>
+        </p:nvSpPr>
+        <p:spPr>
+          <a:xfrm>
+            <a:off x="10900378" y="1973302"/>
+            <a:ext cx="105107" cy="109727"/>
+          </a:xfrm>
+          <a:prstGeom prst="ellipse">
+            <a:avLst/>
+          </a:prstGeom>
+          <a:solidFill>
+            <a:schemeClr val="bg1"/>
+          </a:solidFill>
+          <a:ln w="12700" cmpd="sng">
+            <a:solidFill>
+              <a:schemeClr val="tx1">
+                <a:lumMod val="85000"/>
+                <a:lumOff val="15000"/>
+              </a:schemeClr>
+            </a:solidFill>
+          </a:ln>
+          <a:effectLst/>
+        </p:spPr>
+        <p:style>
+          <a:lnRef idx="1">
+            <a:schemeClr val="accent1"/>
+          </a:lnRef>
+          <a:fillRef idx="3">
+            <a:schemeClr val="accent1"/>
+          </a:fillRef>
+          <a:effectRef idx="2">
+            <a:schemeClr val="accent1"/>
+          </a:effectRef>
+          <a:fontRef idx="minor">
+            <a:schemeClr val="lt1"/>
+          </a:fontRef>
+        </p:style>
+        <p:txBody>
+          <a:bodyPr rtlCol="0" anchor="ctr"/>
+          <a:lstStyle/>
+          <a:p>
+            <a:pPr algn="ctr"/>
+            <a:endParaRPr lang="en-US" sz="1400" dirty="0"/>
+          </a:p>
+        </p:txBody>
+      </p:sp>
+      <p:sp>
+        <p:nvSpPr>
+          <p:cNvPr id="173" name="Oval 172"/>
+          <p:cNvSpPr>
+            <a:spLocks noChangeAspect="1"/>
+          </p:cNvSpPr>
+          <p:nvPr/>
+        </p:nvSpPr>
+        <p:spPr>
+          <a:xfrm>
+            <a:off x="11209675" y="2382699"/>
+            <a:ext cx="105107" cy="109727"/>
+          </a:xfrm>
+          <a:prstGeom prst="ellipse">
+            <a:avLst/>
+          </a:prstGeom>
+          <a:solidFill>
+            <a:schemeClr val="bg1"/>
+          </a:solidFill>
+          <a:ln w="12700" cmpd="sng">
+            <a:solidFill>
+              <a:schemeClr val="tx1">
+                <a:lumMod val="85000"/>
+                <a:lumOff val="15000"/>
+              </a:schemeClr>
+            </a:solidFill>
+          </a:ln>
+          <a:effectLst/>
+        </p:spPr>
+        <p:style>
+          <a:lnRef idx="1">
+            <a:schemeClr val="accent1"/>
+          </a:lnRef>
+          <a:fillRef idx="3">
+            <a:schemeClr val="accent1"/>
+          </a:fillRef>
+          <a:effectRef idx="2">
+            <a:schemeClr val="accent1"/>
+          </a:effectRef>
+          <a:fontRef idx="minor">
+            <a:schemeClr val="lt1"/>
+          </a:fontRef>
+        </p:style>
+        <p:txBody>
+          <a:bodyPr rtlCol="0" anchor="ctr"/>
+          <a:lstStyle/>
+          <a:p>
+            <a:pPr algn="ctr"/>
+            <a:endParaRPr lang="en-US" dirty="0"/>
+          </a:p>
+        </p:txBody>
+      </p:sp>
+      <p:sp>
+        <p:nvSpPr>
+          <p:cNvPr id="174" name="Oval 173"/>
+          <p:cNvSpPr>
+            <a:spLocks noChangeAspect="1"/>
+          </p:cNvSpPr>
+          <p:nvPr/>
+        </p:nvSpPr>
+        <p:spPr>
+          <a:xfrm>
+            <a:off x="11552283" y="2203275"/>
+            <a:ext cx="105107" cy="109727"/>
+          </a:xfrm>
+          <a:prstGeom prst="ellipse">
+            <a:avLst/>
+          </a:prstGeom>
+          <a:solidFill>
+            <a:schemeClr val="bg1"/>
+          </a:solidFill>
+          <a:ln w="12700" cmpd="sng">
+            <a:solidFill>
+              <a:schemeClr val="tx1">
+                <a:lumMod val="85000"/>
+                <a:lumOff val="15000"/>
+              </a:schemeClr>
+            </a:solidFill>
+          </a:ln>
+          <a:effectLst/>
+        </p:spPr>
+        <p:style>
+          <a:lnRef idx="1">
+            <a:schemeClr val="accent1"/>
+          </a:lnRef>
+          <a:fillRef idx="3">
+            <a:schemeClr val="accent1"/>
+          </a:fillRef>
+          <a:effectRef idx="2">
+            <a:schemeClr val="accent1"/>
+          </a:effectRef>
+          <a:fontRef idx="minor">
+            <a:schemeClr val="lt1"/>
+          </a:fontRef>
+        </p:style>
+        <p:txBody>
+          <a:bodyPr rtlCol="0" anchor="ctr"/>
+          <a:lstStyle/>
+          <a:p>
+            <a:pPr algn="ctr"/>
+            <a:endParaRPr lang="en-US" dirty="0"/>
+          </a:p>
+        </p:txBody>
+      </p:sp>
+      <p:sp>
+        <p:nvSpPr>
+          <p:cNvPr id="175" name="Oval 174"/>
+          <p:cNvSpPr>
+            <a:spLocks noChangeAspect="1"/>
+          </p:cNvSpPr>
+          <p:nvPr/>
+        </p:nvSpPr>
+        <p:spPr>
+          <a:xfrm>
+            <a:off x="9207084" y="496123"/>
+            <a:ext cx="105107" cy="109727"/>
+          </a:xfrm>
+          <a:prstGeom prst="ellipse">
+            <a:avLst/>
+          </a:prstGeom>
+          <a:solidFill>
+            <a:schemeClr val="bg1"/>
+          </a:solidFill>
+          <a:ln w="12700" cmpd="sng">
+            <a:solidFill>
+              <a:srgbClr val="C0504D"/>
+            </a:solidFill>
+          </a:ln>
+          <a:effectLst/>
+        </p:spPr>
+        <p:style>
+          <a:lnRef idx="1">
+            <a:schemeClr val="accent1"/>
+          </a:lnRef>
+          <a:fillRef idx="3">
+            <a:schemeClr val="accent1"/>
+          </a:fillRef>
+          <a:effectRef idx="2">
+            <a:schemeClr val="accent1"/>
+          </a:effectRef>
+          <a:fontRef idx="minor">
+            <a:schemeClr val="lt1"/>
+          </a:fontRef>
+        </p:style>
+        <p:txBody>
+          <a:bodyPr rtlCol="0" anchor="ctr"/>
+          <a:lstStyle/>
+          <a:p>
+            <a:pPr algn="ctr"/>
+            <a:endParaRPr lang="en-US" dirty="0"/>
+          </a:p>
+        </p:txBody>
+      </p:sp>
+      <p:sp>
+        <p:nvSpPr>
+          <p:cNvPr id="176" name="Oval 175"/>
+          <p:cNvSpPr>
+            <a:spLocks noChangeAspect="1"/>
+          </p:cNvSpPr>
+          <p:nvPr/>
+        </p:nvSpPr>
+        <p:spPr>
+          <a:xfrm>
+            <a:off x="9469854" y="454086"/>
+            <a:ext cx="105107" cy="109727"/>
+          </a:xfrm>
+          <a:prstGeom prst="ellipse">
+            <a:avLst/>
+          </a:prstGeom>
+          <a:solidFill>
+            <a:schemeClr val="bg1"/>
+          </a:solidFill>
+          <a:ln w="12700" cmpd="sng">
+            <a:solidFill>
+              <a:srgbClr val="C0504D"/>
+            </a:solidFill>
+          </a:ln>
+          <a:effectLst/>
+        </p:spPr>
+        <p:style>
+          <a:lnRef idx="1">
+            <a:schemeClr val="accent1"/>
+          </a:lnRef>
+          <a:fillRef idx="3">
+            <a:schemeClr val="accent1"/>
+          </a:fillRef>
+          <a:effectRef idx="2">
+            <a:schemeClr val="accent1"/>
+          </a:effectRef>
+          <a:fontRef idx="minor">
+            <a:schemeClr val="lt1"/>
+          </a:fontRef>
+        </p:style>
+        <p:txBody>
+          <a:bodyPr rtlCol="0" anchor="ctr"/>
+          <a:lstStyle/>
+          <a:p>
+            <a:pPr algn="ctr"/>
+            <a:endParaRPr lang="en-US" dirty="0"/>
+          </a:p>
+        </p:txBody>
+      </p:sp>
+      <p:sp>
+        <p:nvSpPr>
+          <p:cNvPr id="177" name="Oval 176"/>
+          <p:cNvSpPr>
+            <a:spLocks noChangeAspect="1"/>
+          </p:cNvSpPr>
+          <p:nvPr/>
+        </p:nvSpPr>
+        <p:spPr>
+          <a:xfrm>
+            <a:off x="9338469" y="138037"/>
+            <a:ext cx="105107" cy="109727"/>
+          </a:xfrm>
+          <a:prstGeom prst="ellipse">
+            <a:avLst/>
+          </a:prstGeom>
+          <a:solidFill>
+            <a:schemeClr val="bg1"/>
+          </a:solidFill>
+          <a:ln w="12700" cmpd="sng">
+            <a:solidFill>
+              <a:srgbClr val="C0504D"/>
+            </a:solidFill>
+          </a:ln>
+          <a:effectLst/>
+        </p:spPr>
+        <p:style>
+          <a:lnRef idx="1">
+            <a:schemeClr val="accent1"/>
+          </a:lnRef>
+          <a:fillRef idx="3">
+            <a:schemeClr val="accent1"/>
+          </a:fillRef>
+          <a:effectRef idx="2">
+            <a:schemeClr val="accent1"/>
+          </a:effectRef>
+          <a:fontRef idx="minor">
+            <a:schemeClr val="lt1"/>
+          </a:fontRef>
+        </p:style>
+        <p:txBody>
+          <a:bodyPr rtlCol="0" anchor="ctr"/>
+          <a:lstStyle/>
+          <a:p>
+            <a:pPr algn="ctr"/>
+            <a:endParaRPr lang="en-US" dirty="0"/>
+          </a:p>
+        </p:txBody>
+      </p:sp>
+      <p:sp>
+        <p:nvSpPr>
+          <p:cNvPr id="178" name="Oval 177"/>
+          <p:cNvSpPr>
+            <a:spLocks noChangeAspect="1"/>
+          </p:cNvSpPr>
+          <p:nvPr/>
+        </p:nvSpPr>
+        <p:spPr>
+          <a:xfrm>
+            <a:off x="9674569" y="1339936"/>
+            <a:ext cx="105107" cy="109727"/>
+          </a:xfrm>
+          <a:prstGeom prst="ellipse">
+            <a:avLst/>
+          </a:prstGeom>
+          <a:solidFill>
+            <a:schemeClr val="bg1">
+              <a:lumMod val="50000"/>
+            </a:schemeClr>
+          </a:solidFill>
+          <a:ln w="12700" cmpd="sng">
+            <a:solidFill>
+              <a:schemeClr val="tx1">
+                <a:lumMod val="85000"/>
+                <a:lumOff val="15000"/>
+              </a:schemeClr>
+            </a:solidFill>
+          </a:ln>
+          <a:effectLst/>
+        </p:spPr>
+        <p:style>
+          <a:lnRef idx="1">
+            <a:schemeClr val="accent1"/>
+          </a:lnRef>
+          <a:fillRef idx="3">
+            <a:schemeClr val="accent1"/>
+          </a:fillRef>
+          <a:effectRef idx="2">
+            <a:schemeClr val="accent1"/>
+          </a:effectRef>
+          <a:fontRef idx="minor">
+            <a:schemeClr val="lt1"/>
+          </a:fontRef>
+        </p:style>
+        <p:txBody>
+          <a:bodyPr rtlCol="0" anchor="ctr"/>
+          <a:lstStyle/>
+          <a:p>
+            <a:pPr algn="ctr"/>
+            <a:endParaRPr lang="en-US"/>
+          </a:p>
+        </p:txBody>
+      </p:sp>
+      <p:sp>
+        <p:nvSpPr>
+          <p:cNvPr id="179" name="Freeform 178"/>
           <p:cNvSpPr/>
           <p:nvPr/>
         </p:nvSpPr>
         <p:spPr>
           <a:xfrm>
-            <a:off x="6615798" y="620123"/>
+            <a:off x="9574961" y="725049"/>
             <a:ext cx="1904398" cy="1768496"/>
           </a:xfrm>
           <a:custGeom>
@@ -6313,9 +7253,9 @@
               <a:alpha val="20000"/>
             </a:schemeClr>
           </a:solidFill>
-          <a:ln>
+          <a:ln w="3175" cmpd="sng">
             <a:solidFill>
-              <a:srgbClr val="262626"/>
+              <a:srgbClr val="000000"/>
             </a:solidFill>
           </a:ln>
           <a:effectLst/>
@@ -6345,13 +7285,13 @@
       </p:sp>
       <p:sp>
         <p:nvSpPr>
-          <p:cNvPr id="69" name="TextBox 68"/>
+          <p:cNvPr id="180" name="TextBox 179"/>
           <p:cNvSpPr txBox="1"/>
           <p:nvPr/>
         </p:nvSpPr>
         <p:spPr>
           <a:xfrm rot="2826287">
-            <a:off x="7734344" y="1189462"/>
+            <a:off x="10609753" y="1257661"/>
             <a:ext cx="1080509" cy="253916"/>
           </a:xfrm>
           <a:prstGeom prst="rect">
@@ -6373,7 +7313,7 @@
                 <a:latin typeface="Palatino"/>
                 <a:cs typeface="Palatino"/>
               </a:rPr>
-              <a:t>low risk</a:t>
+              <a:t>safe</a:t>
             </a:r>
             <a:endParaRPr lang="en-US" sz="1050" i="1" dirty="0">
               <a:solidFill>
@@ -6387,7 +7327,229 @@
       </p:sp>
       <p:sp>
         <p:nvSpPr>
-          <p:cNvPr id="70" name="Oval 69"/>
+          <p:cNvPr id="181" name="TextBox 180"/>
+          <p:cNvSpPr txBox="1"/>
+          <p:nvPr/>
+        </p:nvSpPr>
+        <p:spPr>
+          <a:xfrm>
+            <a:off x="4926813" y="1159217"/>
+            <a:ext cx="743421" cy="253916"/>
+          </a:xfrm>
+          <a:prstGeom prst="rect">
+            <a:avLst/>
+          </a:prstGeom>
+          <a:noFill/>
+        </p:spPr>
+        <p:txBody>
+          <a:bodyPr wrap="square" rtlCol="0">
+            <a:spAutoFit/>
+          </a:bodyPr>
+          <a:lstStyle/>
+          <a:p>
+            <a:r>
+              <a:rPr lang="en-US" sz="1050" i="1" dirty="0" smtClean="0">
+                <a:solidFill>
+                  <a:srgbClr val="7F7F7F"/>
+                </a:solidFill>
+                <a:latin typeface="Palatino"/>
+                <a:cs typeface="Palatino"/>
+              </a:rPr>
+              <a:t>risky</a:t>
+            </a:r>
+            <a:endParaRPr lang="en-US" sz="1050" i="1" dirty="0" smtClean="0">
+              <a:solidFill>
+                <a:srgbClr val="7F7F7F"/>
+              </a:solidFill>
+              <a:latin typeface="Palatino"/>
+              <a:cs typeface="Palatino"/>
+            </a:endParaRPr>
+          </a:p>
+        </p:txBody>
+      </p:sp>
+      <p:sp>
+        <p:nvSpPr>
+          <p:cNvPr id="182" name="TextBox 181"/>
+          <p:cNvSpPr txBox="1"/>
+          <p:nvPr/>
+        </p:nvSpPr>
+        <p:spPr>
+          <a:xfrm rot="2843943">
+            <a:off x="7860057" y="1054411"/>
+            <a:ext cx="1080509" cy="253916"/>
+          </a:xfrm>
+          <a:prstGeom prst="rect">
+            <a:avLst/>
+          </a:prstGeom>
+          <a:noFill/>
+        </p:spPr>
+        <p:txBody>
+          <a:bodyPr wrap="square" rtlCol="0">
+            <a:spAutoFit/>
+          </a:bodyPr>
+          <a:lstStyle/>
+          <a:p>
+            <a:r>
+              <a:rPr lang="en-US" sz="1050" i="1" dirty="0" smtClean="0">
+                <a:solidFill>
+                  <a:srgbClr val="7F7F7F"/>
+                </a:solidFill>
+                <a:latin typeface="Palatino"/>
+                <a:cs typeface="Palatino"/>
+              </a:rPr>
+              <a:t>risky</a:t>
+            </a:r>
+            <a:endParaRPr lang="en-US" sz="1050" i="1" dirty="0" smtClean="0">
+              <a:solidFill>
+                <a:srgbClr val="7F7F7F"/>
+              </a:solidFill>
+              <a:latin typeface="Palatino"/>
+              <a:cs typeface="Palatino"/>
+            </a:endParaRPr>
+          </a:p>
+        </p:txBody>
+      </p:sp>
+      <p:sp>
+        <p:nvSpPr>
+          <p:cNvPr id="183" name="TextBox 182"/>
+          <p:cNvSpPr txBox="1"/>
+          <p:nvPr/>
+        </p:nvSpPr>
+        <p:spPr>
+          <a:xfrm rot="2843943">
+            <a:off x="10755132" y="1110373"/>
+            <a:ext cx="1080509" cy="253916"/>
+          </a:xfrm>
+          <a:prstGeom prst="rect">
+            <a:avLst/>
+          </a:prstGeom>
+          <a:noFill/>
+        </p:spPr>
+        <p:txBody>
+          <a:bodyPr wrap="square" rtlCol="0">
+            <a:spAutoFit/>
+          </a:bodyPr>
+          <a:lstStyle/>
+          <a:p>
+            <a:r>
+              <a:rPr lang="en-US" sz="1050" i="1" dirty="0" smtClean="0">
+                <a:solidFill>
+                  <a:srgbClr val="7F7F7F"/>
+                </a:solidFill>
+                <a:latin typeface="Palatino"/>
+                <a:cs typeface="Palatino"/>
+              </a:rPr>
+              <a:t>risky</a:t>
+            </a:r>
+            <a:endParaRPr lang="en-US" sz="1050" i="1" dirty="0" smtClean="0">
+              <a:solidFill>
+                <a:srgbClr val="7F7F7F"/>
+              </a:solidFill>
+              <a:latin typeface="Palatino"/>
+              <a:cs typeface="Palatino"/>
+            </a:endParaRPr>
+          </a:p>
+        </p:txBody>
+      </p:sp>
+      <p:sp>
+        <p:nvSpPr>
+          <p:cNvPr id="184" name="Freeform 183"/>
+          <p:cNvSpPr/>
+          <p:nvPr/>
+        </p:nvSpPr>
+        <p:spPr>
+          <a:xfrm>
+            <a:off x="10554465" y="1328347"/>
+            <a:ext cx="422109" cy="347484"/>
+          </a:xfrm>
+          <a:custGeom>
+            <a:avLst/>
+            <a:gdLst>
+              <a:gd name="connsiteX0" fmla="*/ 200655 w 390143"/>
+              <a:gd name="connsiteY0" fmla="*/ 271431 h 271705"/>
+              <a:gd name="connsiteX1" fmla="*/ 385598 w 390143"/>
+              <a:gd name="connsiteY1" fmla="*/ 12522 h 271705"/>
+              <a:gd name="connsiteX2" fmla="*/ 3383 w 390143"/>
+              <a:gd name="connsiteY2" fmla="*/ 61838 h 271705"/>
+              <a:gd name="connsiteX3" fmla="*/ 200655 w 390143"/>
+              <a:gd name="connsiteY3" fmla="*/ 271431 h 271705"/>
+            </a:gdLst>
+            <a:ahLst/>
+            <a:cxnLst>
+              <a:cxn ang="0">
+                <a:pos x="connsiteX0" y="connsiteY0"/>
+              </a:cxn>
+              <a:cxn ang="0">
+                <a:pos x="connsiteX1" y="connsiteY1"/>
+              </a:cxn>
+              <a:cxn ang="0">
+                <a:pos x="connsiteX2" y="connsiteY2"/>
+              </a:cxn>
+              <a:cxn ang="0">
+                <a:pos x="connsiteX3" y="connsiteY3"/>
+              </a:cxn>
+            </a:cxnLst>
+            <a:rect l="l" t="t" r="r" b="b"/>
+            <a:pathLst>
+              <a:path w="390143" h="271705">
+                <a:moveTo>
+                  <a:pt x="200655" y="271431"/>
+                </a:moveTo>
+                <a:cubicBezTo>
+                  <a:pt x="264357" y="263212"/>
+                  <a:pt x="418477" y="47454"/>
+                  <a:pt x="385598" y="12522"/>
+                </a:cubicBezTo>
+                <a:cubicBezTo>
+                  <a:pt x="352719" y="-22410"/>
+                  <a:pt x="32152" y="22796"/>
+                  <a:pt x="3383" y="61838"/>
+                </a:cubicBezTo>
+                <a:cubicBezTo>
+                  <a:pt x="-25386" y="100880"/>
+                  <a:pt x="136953" y="279650"/>
+                  <a:pt x="200655" y="271431"/>
+                </a:cubicBezTo>
+                <a:close/>
+              </a:path>
+            </a:pathLst>
+          </a:custGeom>
+          <a:solidFill>
+            <a:schemeClr val="bg1"/>
+          </a:solidFill>
+          <a:ln>
+            <a:solidFill>
+              <a:schemeClr val="tx1"/>
+            </a:solidFill>
+          </a:ln>
+          <a:effectLst/>
+        </p:spPr>
+        <p:style>
+          <a:lnRef idx="1">
+            <a:schemeClr val="accent1"/>
+          </a:lnRef>
+          <a:fillRef idx="3">
+            <a:schemeClr val="accent1"/>
+          </a:fillRef>
+          <a:effectRef idx="2">
+            <a:schemeClr val="accent1"/>
+          </a:effectRef>
+          <a:fontRef idx="minor">
+            <a:schemeClr val="lt1"/>
+          </a:fontRef>
+        </p:style>
+        <p:txBody>
+          <a:bodyPr rtlCol="0" anchor="ctr"/>
+          <a:lstStyle/>
+          <a:p>
+            <a:pPr algn="ctr"/>
+            <a:endParaRPr lang="en-US"/>
+          </a:p>
+        </p:txBody>
+      </p:sp>
+      <p:sp>
+        <p:nvSpPr>
+          <p:cNvPr id="185" name="Oval 184"/>
           <p:cNvSpPr>
             <a:spLocks noChangeAspect="1"/>
           </p:cNvSpPr>
@@ -6395,7 +7557,7 @@
         </p:nvSpPr>
         <p:spPr>
           <a:xfrm>
-            <a:off x="9895518" y="1104234"/>
+            <a:off x="10739849" y="1439513"/>
             <a:ext cx="105107" cy="109727"/>
           </a:xfrm>
           <a:prstGeom prst="ellipse">
@@ -6441,7 +7603,113 @@
       </p:sp>
       <p:sp>
         <p:nvSpPr>
-          <p:cNvPr id="72" name="Oval 71"/>
+          <p:cNvPr id="186" name="Freeform 185"/>
+          <p:cNvSpPr/>
+          <p:nvPr/>
+        </p:nvSpPr>
+        <p:spPr>
+          <a:xfrm>
+            <a:off x="10119190" y="1195018"/>
+            <a:ext cx="325428" cy="289836"/>
+          </a:xfrm>
+          <a:custGeom>
+            <a:avLst/>
+            <a:gdLst>
+              <a:gd name="connsiteX0" fmla="*/ 258920 w 325428"/>
+              <a:gd name="connsiteY0" fmla="*/ 209628 h 289836"/>
+              <a:gd name="connsiteX1" fmla="*/ 308238 w 325428"/>
+              <a:gd name="connsiteY1" fmla="*/ 12364 h 289836"/>
+              <a:gd name="connsiteX2" fmla="*/ 12330 w 325428"/>
+              <a:gd name="connsiteY2" fmla="*/ 49351 h 289836"/>
+              <a:gd name="connsiteX3" fmla="*/ 0 w 325428"/>
+              <a:gd name="connsiteY3" fmla="*/ 283602 h 289836"/>
+              <a:gd name="connsiteX4" fmla="*/ 258920 w 325428"/>
+              <a:gd name="connsiteY4" fmla="*/ 209628 h 289836"/>
+            </a:gdLst>
+            <a:ahLst/>
+            <a:cxnLst>
+              <a:cxn ang="0">
+                <a:pos x="connsiteX0" y="connsiteY0"/>
+              </a:cxn>
+              <a:cxn ang="0">
+                <a:pos x="connsiteX1" y="connsiteY1"/>
+              </a:cxn>
+              <a:cxn ang="0">
+                <a:pos x="connsiteX2" y="connsiteY2"/>
+              </a:cxn>
+              <a:cxn ang="0">
+                <a:pos x="connsiteX3" y="connsiteY3"/>
+              </a:cxn>
+              <a:cxn ang="0">
+                <a:pos x="connsiteX4" y="connsiteY4"/>
+              </a:cxn>
+            </a:cxnLst>
+            <a:rect l="l" t="t" r="r" b="b"/>
+            <a:pathLst>
+              <a:path w="325428" h="289836">
+                <a:moveTo>
+                  <a:pt x="258920" y="209628"/>
+                </a:moveTo>
+                <a:cubicBezTo>
+                  <a:pt x="310293" y="164422"/>
+                  <a:pt x="349336" y="39077"/>
+                  <a:pt x="308238" y="12364"/>
+                </a:cubicBezTo>
+                <a:cubicBezTo>
+                  <a:pt x="267140" y="-14349"/>
+                  <a:pt x="63703" y="4145"/>
+                  <a:pt x="12330" y="49351"/>
+                </a:cubicBezTo>
+                <a:cubicBezTo>
+                  <a:pt x="-39043" y="94557"/>
+                  <a:pt x="-43153" y="258944"/>
+                  <a:pt x="0" y="283602"/>
+                </a:cubicBezTo>
+                <a:cubicBezTo>
+                  <a:pt x="43153" y="308260"/>
+                  <a:pt x="207547" y="254834"/>
+                  <a:pt x="258920" y="209628"/>
+                </a:cubicBezTo>
+                <a:close/>
+              </a:path>
+            </a:pathLst>
+          </a:custGeom>
+          <a:solidFill>
+            <a:schemeClr val="bg1"/>
+          </a:solidFill>
+          <a:ln w="9525" cmpd="sng">
+            <a:solidFill>
+              <a:schemeClr val="tx1"/>
+            </a:solidFill>
+          </a:ln>
+          <a:effectLst/>
+        </p:spPr>
+        <p:style>
+          <a:lnRef idx="1">
+            <a:schemeClr val="accent1"/>
+          </a:lnRef>
+          <a:fillRef idx="3">
+            <a:schemeClr val="accent1"/>
+          </a:fillRef>
+          <a:effectRef idx="2">
+            <a:schemeClr val="accent1"/>
+          </a:effectRef>
+          <a:fontRef idx="minor">
+            <a:schemeClr val="lt1"/>
+          </a:fontRef>
+        </p:style>
+        <p:txBody>
+          <a:bodyPr rtlCol="0" anchor="ctr"/>
+          <a:lstStyle/>
+          <a:p>
+            <a:pPr algn="ctr"/>
+            <a:endParaRPr lang="en-US"/>
+          </a:p>
+        </p:txBody>
+      </p:sp>
+      <p:sp>
+        <p:nvSpPr>
+          <p:cNvPr id="187" name="Oval 186"/>
           <p:cNvSpPr>
             <a:spLocks noChangeAspect="1"/>
           </p:cNvSpPr>
@@ -6449,16 +7717,14 @@
         </p:nvSpPr>
         <p:spPr>
           <a:xfrm>
-            <a:off x="10363228" y="921354"/>
+            <a:off x="10212096" y="1271356"/>
             <a:ext cx="105107" cy="109727"/>
           </a:xfrm>
           <a:prstGeom prst="ellipse">
             <a:avLst/>
           </a:prstGeom>
           <a:solidFill>
-            <a:schemeClr val="bg1">
-              <a:lumMod val="50000"/>
-            </a:schemeClr>
+            <a:schemeClr val="bg1"/>
           </a:solidFill>
           <a:ln w="12700" cmpd="sng">
             <a:solidFill>
@@ -6489,390 +7755,110 @@
           <a:lstStyle/>
           <a:p>
             <a:pPr algn="ctr"/>
-            <a:endParaRPr lang="en-US"/>
-          </a:p>
-        </p:txBody>
-      </p:sp>
-      <p:sp>
-        <p:nvSpPr>
-          <p:cNvPr id="73" name="Oval 72"/>
-          <p:cNvSpPr>
-            <a:spLocks noChangeAspect="1"/>
-          </p:cNvSpPr>
-          <p:nvPr/>
-        </p:nvSpPr>
-        <p:spPr>
-          <a:xfrm>
-            <a:off x="9807928" y="1634302"/>
-            <a:ext cx="105107" cy="109727"/>
-          </a:xfrm>
-          <a:prstGeom prst="ellipse">
-            <a:avLst/>
-          </a:prstGeom>
-          <a:solidFill>
-            <a:schemeClr val="bg1">
-              <a:lumMod val="50000"/>
-            </a:schemeClr>
-          </a:solidFill>
-          <a:ln w="12700" cmpd="sng">
+            <a:r>
+              <a:rPr lang="en-US" dirty="0" smtClean="0"/>
+              <a:t>v</a:t>
+            </a:r>
+            <a:endParaRPr lang="en-US" dirty="0"/>
+          </a:p>
+        </p:txBody>
+      </p:sp>
+      <p:sp>
+        <p:nvSpPr>
+          <p:cNvPr id="188" name="TextBox 187"/>
+          <p:cNvSpPr txBox="1"/>
+          <p:nvPr/>
+        </p:nvSpPr>
+        <p:spPr>
+          <a:xfrm>
+            <a:off x="3647785" y="336571"/>
+            <a:ext cx="637246" cy="253916"/>
+          </a:xfrm>
+          <a:prstGeom prst="rect">
+            <a:avLst/>
+          </a:prstGeom>
+          <a:noFill/>
+        </p:spPr>
+        <p:txBody>
+          <a:bodyPr wrap="square" rtlCol="0">
+            <a:spAutoFit/>
+          </a:bodyPr>
+          <a:lstStyle/>
+          <a:p>
+            <a:r>
+              <a:rPr lang="en-US" sz="1050" i="1" dirty="0" smtClean="0">
+                <a:solidFill>
+                  <a:srgbClr val="7F7F7F"/>
+                </a:solidFill>
+                <a:latin typeface="Palatino"/>
+                <a:cs typeface="Palatino"/>
+              </a:rPr>
+              <a:t>safe</a:t>
+            </a:r>
+            <a:endParaRPr lang="en-US" sz="1050" i="1" dirty="0">
+              <a:solidFill>
+                <a:srgbClr val="7F7F7F"/>
+              </a:solidFill>
+              <a:latin typeface="Palatino"/>
+              <a:cs typeface="Palatino"/>
+            </a:endParaRPr>
+          </a:p>
+        </p:txBody>
+      </p:sp>
+      <p:cxnSp>
+        <p:nvCxnSpPr>
+          <p:cNvPr id="189" name="Straight Arrow Connector 188"/>
+          <p:cNvCxnSpPr>
+            <a:stCxn id="118" idx="5"/>
+          </p:cNvCxnSpPr>
+          <p:nvPr/>
+        </p:nvCxnSpPr>
+        <p:spPr>
+          <a:xfrm>
+            <a:off x="514394" y="515151"/>
+            <a:ext cx="956794" cy="813196"/>
+          </a:xfrm>
+          <a:prstGeom prst="straightConnector1">
+            <a:avLst/>
+          </a:prstGeom>
+          <a:ln w="9525" cmpd="sng">
             <a:solidFill>
               <a:schemeClr val="tx1">
-                <a:lumMod val="85000"/>
-                <a:lumOff val="15000"/>
+                <a:lumMod val="50000"/>
+                <a:lumOff val="50000"/>
               </a:schemeClr>
             </a:solidFill>
+            <a:round/>
+            <a:headEnd type="arrow" w="med" len="med"/>
+            <a:tailEnd type="arrow" w="med" len="med"/>
           </a:ln>
           <a:effectLst/>
         </p:spPr>
         <p:style>
-          <a:lnRef idx="1">
-            <a:schemeClr val="accent1"/>
+          <a:lnRef idx="2">
+            <a:schemeClr val="dk1"/>
           </a:lnRef>
-          <a:fillRef idx="3">
-            <a:schemeClr val="accent1"/>
+          <a:fillRef idx="0">
+            <a:schemeClr val="dk1"/>
           </a:fillRef>
-          <a:effectRef idx="2">
-            <a:schemeClr val="accent1"/>
+          <a:effectRef idx="1">
+            <a:schemeClr val="dk1"/>
           </a:effectRef>
           <a:fontRef idx="minor">
-            <a:schemeClr val="lt1"/>
+            <a:schemeClr val="tx1"/>
           </a:fontRef>
         </p:style>
-        <p:txBody>
-          <a:bodyPr rtlCol="0" anchor="ctr"/>
-          <a:lstStyle/>
-          <a:p>
-            <a:pPr algn="ctr"/>
-            <a:endParaRPr lang="en-US"/>
-          </a:p>
-        </p:txBody>
-      </p:sp>
-      <p:sp>
-        <p:nvSpPr>
-          <p:cNvPr id="74" name="Oval 73"/>
-          <p:cNvSpPr>
-            <a:spLocks noChangeAspect="1"/>
-          </p:cNvSpPr>
-          <p:nvPr/>
-        </p:nvSpPr>
-        <p:spPr>
-          <a:xfrm>
-            <a:off x="9338469" y="1058510"/>
-            <a:ext cx="105107" cy="109727"/>
-          </a:xfrm>
-          <a:prstGeom prst="ellipse">
-            <a:avLst/>
-          </a:prstGeom>
-          <a:solidFill>
-            <a:schemeClr val="bg1">
-              <a:lumMod val="50000"/>
-            </a:schemeClr>
-          </a:solidFill>
-          <a:ln w="12700" cmpd="sng">
-            <a:solidFill>
-              <a:schemeClr val="tx1">
-                <a:lumMod val="85000"/>
-                <a:lumOff val="15000"/>
-              </a:schemeClr>
-            </a:solidFill>
-          </a:ln>
-          <a:effectLst/>
-        </p:spPr>
-        <p:style>
-          <a:lnRef idx="1">
-            <a:schemeClr val="accent1"/>
-          </a:lnRef>
-          <a:fillRef idx="3">
-            <a:schemeClr val="accent1"/>
-          </a:fillRef>
-          <a:effectRef idx="2">
-            <a:schemeClr val="accent1"/>
-          </a:effectRef>
-          <a:fontRef idx="minor">
-            <a:schemeClr val="lt1"/>
-          </a:fontRef>
-        </p:style>
-        <p:txBody>
-          <a:bodyPr rtlCol="0" anchor="ctr"/>
-          <a:lstStyle/>
-          <a:p>
-            <a:pPr algn="ctr"/>
-            <a:endParaRPr lang="en-US"/>
-          </a:p>
-        </p:txBody>
-      </p:sp>
-      <p:sp>
-        <p:nvSpPr>
-          <p:cNvPr id="75" name="Oval 74"/>
-          <p:cNvSpPr>
-            <a:spLocks noChangeAspect="1"/>
-          </p:cNvSpPr>
-          <p:nvPr/>
-        </p:nvSpPr>
-        <p:spPr>
-          <a:xfrm>
-            <a:off x="9831089" y="534245"/>
-            <a:ext cx="105107" cy="109727"/>
-          </a:xfrm>
-          <a:prstGeom prst="ellipse">
-            <a:avLst/>
-          </a:prstGeom>
-          <a:solidFill>
-            <a:schemeClr val="bg1">
-              <a:lumMod val="50000"/>
-            </a:schemeClr>
-          </a:solidFill>
-          <a:ln w="12700" cmpd="sng">
-            <a:solidFill>
-              <a:schemeClr val="tx1">
-                <a:lumMod val="85000"/>
-                <a:lumOff val="15000"/>
-              </a:schemeClr>
-            </a:solidFill>
-          </a:ln>
-          <a:effectLst/>
-        </p:spPr>
-        <p:style>
-          <a:lnRef idx="1">
-            <a:schemeClr val="accent1"/>
-          </a:lnRef>
-          <a:fillRef idx="3">
-            <a:schemeClr val="accent1"/>
-          </a:fillRef>
-          <a:effectRef idx="2">
-            <a:schemeClr val="accent1"/>
-          </a:effectRef>
-          <a:fontRef idx="minor">
-            <a:schemeClr val="lt1"/>
-          </a:fontRef>
-        </p:style>
-        <p:txBody>
-          <a:bodyPr rtlCol="0" anchor="ctr"/>
-          <a:lstStyle/>
-          <a:p>
-            <a:pPr algn="ctr"/>
-            <a:endParaRPr lang="en-US"/>
-          </a:p>
-        </p:txBody>
-      </p:sp>
-      <p:sp>
-        <p:nvSpPr>
-          <p:cNvPr id="77" name="Oval 76"/>
-          <p:cNvSpPr>
-            <a:spLocks noChangeAspect="1"/>
-          </p:cNvSpPr>
-          <p:nvPr/>
-        </p:nvSpPr>
-        <p:spPr>
-          <a:xfrm>
-            <a:off x="11062118" y="1725742"/>
-            <a:ext cx="105107" cy="109727"/>
-          </a:xfrm>
-          <a:prstGeom prst="ellipse">
-            <a:avLst/>
-          </a:prstGeom>
-          <a:solidFill>
-            <a:schemeClr val="bg1"/>
-          </a:solidFill>
-          <a:ln w="12700" cmpd="sng">
-            <a:solidFill>
-              <a:schemeClr val="tx1">
-                <a:lumMod val="85000"/>
-                <a:lumOff val="15000"/>
-              </a:schemeClr>
-            </a:solidFill>
-          </a:ln>
-          <a:effectLst/>
-        </p:spPr>
-        <p:style>
-          <a:lnRef idx="1">
-            <a:schemeClr val="accent1"/>
-          </a:lnRef>
-          <a:fillRef idx="3">
-            <a:schemeClr val="accent1"/>
-          </a:fillRef>
-          <a:effectRef idx="2">
-            <a:schemeClr val="accent1"/>
-          </a:effectRef>
-          <a:fontRef idx="minor">
-            <a:schemeClr val="lt1"/>
-          </a:fontRef>
-        </p:style>
-        <p:txBody>
-          <a:bodyPr rtlCol="0" anchor="ctr"/>
-          <a:lstStyle/>
-          <a:p>
-            <a:pPr algn="ctr"/>
-            <a:endParaRPr lang="en-US"/>
-          </a:p>
-        </p:txBody>
-      </p:sp>
-      <p:sp>
-        <p:nvSpPr>
-          <p:cNvPr id="78" name="Oval 77"/>
-          <p:cNvSpPr>
-            <a:spLocks noChangeAspect="1"/>
-          </p:cNvSpPr>
-          <p:nvPr/>
-        </p:nvSpPr>
-        <p:spPr>
-          <a:xfrm>
-            <a:off x="10624535" y="2134695"/>
-            <a:ext cx="105107" cy="109727"/>
-          </a:xfrm>
-          <a:prstGeom prst="ellipse">
-            <a:avLst/>
-          </a:prstGeom>
-          <a:solidFill>
-            <a:schemeClr val="bg1"/>
-          </a:solidFill>
-          <a:ln w="12700" cmpd="sng">
-            <a:solidFill>
-              <a:schemeClr val="tx1">
-                <a:lumMod val="85000"/>
-                <a:lumOff val="15000"/>
-              </a:schemeClr>
-            </a:solidFill>
-          </a:ln>
-          <a:effectLst/>
-        </p:spPr>
-        <p:style>
-          <a:lnRef idx="1">
-            <a:schemeClr val="accent1"/>
-          </a:lnRef>
-          <a:fillRef idx="3">
-            <a:schemeClr val="accent1"/>
-          </a:fillRef>
-          <a:effectRef idx="2">
-            <a:schemeClr val="accent1"/>
-          </a:effectRef>
-          <a:fontRef idx="minor">
-            <a:schemeClr val="lt1"/>
-          </a:fontRef>
-        </p:style>
-        <p:txBody>
-          <a:bodyPr rtlCol="0" anchor="ctr"/>
-          <a:lstStyle/>
-          <a:p>
-            <a:pPr algn="ctr"/>
-            <a:endParaRPr lang="en-US" sz="1400" dirty="0"/>
-          </a:p>
-        </p:txBody>
-      </p:sp>
-      <p:sp>
-        <p:nvSpPr>
-          <p:cNvPr id="79" name="Oval 78"/>
-          <p:cNvSpPr>
-            <a:spLocks noChangeAspect="1"/>
-          </p:cNvSpPr>
-          <p:nvPr/>
-        </p:nvSpPr>
-        <p:spPr>
-          <a:xfrm>
-            <a:off x="10449358" y="1677495"/>
-            <a:ext cx="105107" cy="109727"/>
-          </a:xfrm>
-          <a:prstGeom prst="ellipse">
-            <a:avLst/>
-          </a:prstGeom>
-          <a:solidFill>
-            <a:schemeClr val="bg1"/>
-          </a:solidFill>
-          <a:ln w="12700" cmpd="sng">
-            <a:solidFill>
-              <a:schemeClr val="tx1">
-                <a:lumMod val="85000"/>
-                <a:lumOff val="15000"/>
-              </a:schemeClr>
-            </a:solidFill>
-          </a:ln>
-          <a:effectLst/>
-        </p:spPr>
-        <p:style>
-          <a:lnRef idx="1">
-            <a:schemeClr val="accent1"/>
-          </a:lnRef>
-          <a:fillRef idx="3">
-            <a:schemeClr val="accent1"/>
-          </a:fillRef>
-          <a:effectRef idx="2">
-            <a:schemeClr val="accent1"/>
-          </a:effectRef>
-          <a:fontRef idx="minor">
-            <a:schemeClr val="lt1"/>
-          </a:fontRef>
-        </p:style>
-        <p:txBody>
-          <a:bodyPr rtlCol="0" anchor="ctr"/>
-          <a:lstStyle/>
-          <a:p>
-            <a:pPr algn="ctr"/>
-            <a:endParaRPr lang="en-US"/>
-          </a:p>
-        </p:txBody>
-      </p:sp>
-      <p:sp>
-        <p:nvSpPr>
-          <p:cNvPr id="80" name="Oval 79"/>
-          <p:cNvSpPr>
-            <a:spLocks noChangeAspect="1"/>
-          </p:cNvSpPr>
-          <p:nvPr/>
-        </p:nvSpPr>
-        <p:spPr>
-          <a:xfrm>
-            <a:off x="10317973" y="2026702"/>
-            <a:ext cx="105107" cy="109727"/>
-          </a:xfrm>
-          <a:prstGeom prst="ellipse">
-            <a:avLst/>
-          </a:prstGeom>
-          <a:solidFill>
-            <a:schemeClr val="bg1"/>
-          </a:solidFill>
-          <a:ln w="12700" cmpd="sng">
-            <a:solidFill>
-              <a:schemeClr val="tx1">
-                <a:lumMod val="85000"/>
-                <a:lumOff val="15000"/>
-              </a:schemeClr>
-            </a:solidFill>
-          </a:ln>
-          <a:effectLst/>
-        </p:spPr>
-        <p:style>
-          <a:lnRef idx="1">
-            <a:schemeClr val="accent1"/>
-          </a:lnRef>
-          <a:fillRef idx="3">
-            <a:schemeClr val="accent1"/>
-          </a:fillRef>
-          <a:effectRef idx="2">
-            <a:schemeClr val="accent1"/>
-          </a:effectRef>
-          <a:fontRef idx="minor">
-            <a:schemeClr val="lt1"/>
-          </a:fontRef>
-        </p:style>
-        <p:txBody>
-          <a:bodyPr rtlCol="0" anchor="ctr"/>
-          <a:lstStyle/>
-          <a:p>
-            <a:pPr algn="ctr"/>
-            <a:endParaRPr lang="en-US" sz="1400"/>
-          </a:p>
-        </p:txBody>
-      </p:sp>
+      </p:cxnSp>
       <p:cxnSp>
         <p:nvCxnSpPr>
-          <p:cNvPr id="81" name="Straight Connector 80"/>
+          <p:cNvPr id="190" name="Straight Connector 189"/>
           <p:cNvCxnSpPr/>
           <p:nvPr/>
         </p:nvCxnSpPr>
         <p:spPr>
           <a:xfrm flipV="1">
-            <a:off x="9519585" y="408584"/>
-            <a:ext cx="1769692" cy="2234336"/>
+            <a:off x="3960409" y="399477"/>
+            <a:ext cx="899756" cy="2234335"/>
           </a:xfrm>
           <a:prstGeom prst="line">
             <a:avLst/>
@@ -6902,379 +7888,131 @@
       </p:cxnSp>
       <p:sp>
         <p:nvSpPr>
-          <p:cNvPr id="82" name="Oval 81"/>
-          <p:cNvSpPr>
-            <a:spLocks noChangeAspect="1"/>
-          </p:cNvSpPr>
-          <p:nvPr/>
-        </p:nvSpPr>
-        <p:spPr>
-          <a:xfrm>
-            <a:off x="10900378" y="1973302"/>
-            <a:ext cx="105107" cy="109727"/>
-          </a:xfrm>
-          <a:prstGeom prst="ellipse">
-            <a:avLst/>
-          </a:prstGeom>
-          <a:solidFill>
-            <a:schemeClr val="bg1"/>
-          </a:solidFill>
-          <a:ln w="12700" cmpd="sng">
+          <p:cNvPr id="24" name="TextBox 23"/>
+          <p:cNvSpPr txBox="1"/>
+          <p:nvPr/>
+        </p:nvSpPr>
+        <p:spPr>
+          <a:xfrm>
+            <a:off x="161910" y="2769771"/>
+            <a:ext cx="2217689" cy="307777"/>
+          </a:xfrm>
+          <a:prstGeom prst="rect">
+            <a:avLst/>
+          </a:prstGeom>
+          <a:noFill/>
+        </p:spPr>
+        <p:txBody>
+          <a:bodyPr wrap="square" rtlCol="0">
+            <a:spAutoFit/>
+          </a:bodyPr>
+          <a:lstStyle/>
+          <a:p>
+            <a:pPr algn="ctr"/>
+            <a:r>
+              <a:rPr lang="en-US" sz="1400" dirty="0" smtClean="0">
+                <a:latin typeface="Palatino"/>
+                <a:cs typeface="Palatino"/>
+              </a:rPr>
+              <a:t>(a) Confidence</a:t>
+            </a:r>
+            <a:endParaRPr lang="en-US" sz="1400" dirty="0">
+              <a:latin typeface="Palatino"/>
+              <a:cs typeface="Palatino"/>
+            </a:endParaRPr>
+          </a:p>
+        </p:txBody>
+      </p:sp>
+      <p:sp>
+        <p:nvSpPr>
+          <p:cNvPr id="191" name="TextBox 190"/>
+          <p:cNvSpPr txBox="1"/>
+          <p:nvPr/>
+        </p:nvSpPr>
+        <p:spPr>
+          <a:xfrm>
+            <a:off x="3249507" y="2769771"/>
+            <a:ext cx="2504308" cy="307777"/>
+          </a:xfrm>
+          <a:prstGeom prst="rect">
+            <a:avLst/>
+          </a:prstGeom>
+          <a:noFill/>
+        </p:spPr>
+        <p:txBody>
+          <a:bodyPr wrap="square" rtlCol="0">
+            <a:spAutoFit/>
+          </a:bodyPr>
+          <a:lstStyle/>
+          <a:p>
+            <a:pPr algn="ctr"/>
+            <a:r>
+              <a:rPr lang="en-US" sz="1400" dirty="0" smtClean="0">
+                <a:latin typeface="Palatino"/>
+                <a:cs typeface="Palatino"/>
+              </a:rPr>
+              <a:t>(b) Query by Committee</a:t>
+            </a:r>
+            <a:endParaRPr lang="en-US" sz="1400" dirty="0">
+              <a:latin typeface="Palatino"/>
+              <a:cs typeface="Palatino"/>
+            </a:endParaRPr>
+          </a:p>
+        </p:txBody>
+      </p:sp>
+      <p:cxnSp>
+        <p:nvCxnSpPr>
+          <p:cNvPr id="192" name="Straight Arrow Connector 191"/>
+          <p:cNvCxnSpPr>
+            <a:endCxn id="108" idx="1"/>
+          </p:cNvCxnSpPr>
+          <p:nvPr/>
+        </p:nvCxnSpPr>
+        <p:spPr>
+          <a:xfrm>
+            <a:off x="1509291" y="1271738"/>
+            <a:ext cx="200777" cy="151249"/>
+          </a:xfrm>
+          <a:prstGeom prst="straightConnector1">
+            <a:avLst/>
+          </a:prstGeom>
+          <a:ln w="9525" cmpd="sng">
             <a:solidFill>
               <a:schemeClr val="tx1">
-                <a:lumMod val="85000"/>
-                <a:lumOff val="15000"/>
+                <a:lumMod val="50000"/>
+                <a:lumOff val="50000"/>
               </a:schemeClr>
             </a:solidFill>
+            <a:round/>
+            <a:headEnd type="arrow" w="med" len="med"/>
+            <a:tailEnd type="arrow" w="med" len="med"/>
           </a:ln>
           <a:effectLst/>
         </p:spPr>
         <p:style>
-          <a:lnRef idx="1">
-            <a:schemeClr val="accent1"/>
+          <a:lnRef idx="2">
+            <a:schemeClr val="dk1"/>
           </a:lnRef>
-          <a:fillRef idx="3">
-            <a:schemeClr val="accent1"/>
+          <a:fillRef idx="0">
+            <a:schemeClr val="dk1"/>
           </a:fillRef>
-          <a:effectRef idx="2">
-            <a:schemeClr val="accent1"/>
+          <a:effectRef idx="1">
+            <a:schemeClr val="dk1"/>
           </a:effectRef>
           <a:fontRef idx="minor">
-            <a:schemeClr val="lt1"/>
+            <a:schemeClr val="tx1"/>
           </a:fontRef>
         </p:style>
-        <p:txBody>
-          <a:bodyPr rtlCol="0" anchor="ctr"/>
-          <a:lstStyle/>
-          <a:p>
-            <a:pPr algn="ctr"/>
-            <a:endParaRPr lang="en-US" sz="1400" dirty="0"/>
-          </a:p>
-        </p:txBody>
-      </p:sp>
-      <p:sp>
-        <p:nvSpPr>
-          <p:cNvPr id="83" name="Oval 82"/>
-          <p:cNvSpPr>
-            <a:spLocks noChangeAspect="1"/>
-          </p:cNvSpPr>
-          <p:nvPr/>
-        </p:nvSpPr>
-        <p:spPr>
-          <a:xfrm>
-            <a:off x="11209675" y="2382699"/>
-            <a:ext cx="105107" cy="109727"/>
-          </a:xfrm>
-          <a:prstGeom prst="ellipse">
-            <a:avLst/>
-          </a:prstGeom>
-          <a:solidFill>
-            <a:schemeClr val="bg1"/>
-          </a:solidFill>
-          <a:ln w="12700" cmpd="sng">
-            <a:solidFill>
-              <a:schemeClr val="tx1">
-                <a:lumMod val="85000"/>
-                <a:lumOff val="15000"/>
-              </a:schemeClr>
-            </a:solidFill>
-          </a:ln>
-          <a:effectLst/>
-        </p:spPr>
-        <p:style>
-          <a:lnRef idx="1">
-            <a:schemeClr val="accent1"/>
-          </a:lnRef>
-          <a:fillRef idx="3">
-            <a:schemeClr val="accent1"/>
-          </a:fillRef>
-          <a:effectRef idx="2">
-            <a:schemeClr val="accent1"/>
-          </a:effectRef>
-          <a:fontRef idx="minor">
-            <a:schemeClr val="lt1"/>
-          </a:fontRef>
-        </p:style>
-        <p:txBody>
-          <a:bodyPr rtlCol="0" anchor="ctr"/>
-          <a:lstStyle/>
-          <a:p>
-            <a:pPr algn="ctr"/>
-            <a:endParaRPr lang="en-US" dirty="0"/>
-          </a:p>
-        </p:txBody>
-      </p:sp>
-      <p:sp>
-        <p:nvSpPr>
-          <p:cNvPr id="84" name="Oval 83"/>
-          <p:cNvSpPr>
-            <a:spLocks noChangeAspect="1"/>
-          </p:cNvSpPr>
-          <p:nvPr/>
-        </p:nvSpPr>
-        <p:spPr>
-          <a:xfrm>
-            <a:off x="11552283" y="2203275"/>
-            <a:ext cx="105107" cy="109727"/>
-          </a:xfrm>
-          <a:prstGeom prst="ellipse">
-            <a:avLst/>
-          </a:prstGeom>
-          <a:solidFill>
-            <a:schemeClr val="bg1"/>
-          </a:solidFill>
-          <a:ln w="12700" cmpd="sng">
-            <a:solidFill>
-              <a:schemeClr val="tx1">
-                <a:lumMod val="85000"/>
-                <a:lumOff val="15000"/>
-              </a:schemeClr>
-            </a:solidFill>
-          </a:ln>
-          <a:effectLst/>
-        </p:spPr>
-        <p:style>
-          <a:lnRef idx="1">
-            <a:schemeClr val="accent1"/>
-          </a:lnRef>
-          <a:fillRef idx="3">
-            <a:schemeClr val="accent1"/>
-          </a:fillRef>
-          <a:effectRef idx="2">
-            <a:schemeClr val="accent1"/>
-          </a:effectRef>
-          <a:fontRef idx="minor">
-            <a:schemeClr val="lt1"/>
-          </a:fontRef>
-        </p:style>
-        <p:txBody>
-          <a:bodyPr rtlCol="0" anchor="ctr"/>
-          <a:lstStyle/>
-          <a:p>
-            <a:pPr algn="ctr"/>
-            <a:endParaRPr lang="en-US" dirty="0"/>
-          </a:p>
-        </p:txBody>
-      </p:sp>
-      <p:sp>
-        <p:nvSpPr>
-          <p:cNvPr id="85" name="Oval 84"/>
-          <p:cNvSpPr>
-            <a:spLocks noChangeAspect="1"/>
-          </p:cNvSpPr>
-          <p:nvPr/>
-        </p:nvSpPr>
-        <p:spPr>
-          <a:xfrm>
-            <a:off x="9207084" y="496123"/>
-            <a:ext cx="105107" cy="109727"/>
-          </a:xfrm>
-          <a:prstGeom prst="ellipse">
-            <a:avLst/>
-          </a:prstGeom>
-          <a:solidFill>
-            <a:schemeClr val="bg1"/>
-          </a:solidFill>
-          <a:ln w="12700" cmpd="sng">
-            <a:solidFill>
-              <a:schemeClr val="tx1">
-                <a:lumMod val="85000"/>
-                <a:lumOff val="15000"/>
-              </a:schemeClr>
-            </a:solidFill>
-          </a:ln>
-          <a:effectLst/>
-        </p:spPr>
-        <p:style>
-          <a:lnRef idx="1">
-            <a:schemeClr val="accent1"/>
-          </a:lnRef>
-          <a:fillRef idx="3">
-            <a:schemeClr val="accent1"/>
-          </a:fillRef>
-          <a:effectRef idx="2">
-            <a:schemeClr val="accent1"/>
-          </a:effectRef>
-          <a:fontRef idx="minor">
-            <a:schemeClr val="lt1"/>
-          </a:fontRef>
-        </p:style>
-        <p:txBody>
-          <a:bodyPr rtlCol="0" anchor="ctr"/>
-          <a:lstStyle/>
-          <a:p>
-            <a:pPr algn="ctr"/>
-            <a:endParaRPr lang="en-US" dirty="0"/>
-          </a:p>
-        </p:txBody>
-      </p:sp>
-      <p:sp>
-        <p:nvSpPr>
-          <p:cNvPr id="86" name="Oval 85"/>
-          <p:cNvSpPr>
-            <a:spLocks noChangeAspect="1"/>
-          </p:cNvSpPr>
-          <p:nvPr/>
-        </p:nvSpPr>
-        <p:spPr>
-          <a:xfrm>
-            <a:off x="9469854" y="454086"/>
-            <a:ext cx="105107" cy="109727"/>
-          </a:xfrm>
-          <a:prstGeom prst="ellipse">
-            <a:avLst/>
-          </a:prstGeom>
-          <a:solidFill>
-            <a:schemeClr val="bg1"/>
-          </a:solidFill>
-          <a:ln w="12700" cmpd="sng">
-            <a:solidFill>
-              <a:schemeClr val="tx1">
-                <a:lumMod val="85000"/>
-                <a:lumOff val="15000"/>
-              </a:schemeClr>
-            </a:solidFill>
-          </a:ln>
-          <a:effectLst/>
-        </p:spPr>
-        <p:style>
-          <a:lnRef idx="1">
-            <a:schemeClr val="accent1"/>
-          </a:lnRef>
-          <a:fillRef idx="3">
-            <a:schemeClr val="accent1"/>
-          </a:fillRef>
-          <a:effectRef idx="2">
-            <a:schemeClr val="accent1"/>
-          </a:effectRef>
-          <a:fontRef idx="minor">
-            <a:schemeClr val="lt1"/>
-          </a:fontRef>
-        </p:style>
-        <p:txBody>
-          <a:bodyPr rtlCol="0" anchor="ctr"/>
-          <a:lstStyle/>
-          <a:p>
-            <a:pPr algn="ctr"/>
-            <a:endParaRPr lang="en-US" dirty="0"/>
-          </a:p>
-        </p:txBody>
-      </p:sp>
-      <p:sp>
-        <p:nvSpPr>
-          <p:cNvPr id="87" name="Oval 86"/>
-          <p:cNvSpPr>
-            <a:spLocks noChangeAspect="1"/>
-          </p:cNvSpPr>
-          <p:nvPr/>
-        </p:nvSpPr>
-        <p:spPr>
-          <a:xfrm>
-            <a:off x="9338469" y="138037"/>
-            <a:ext cx="105107" cy="109727"/>
-          </a:xfrm>
-          <a:prstGeom prst="ellipse">
-            <a:avLst/>
-          </a:prstGeom>
-          <a:solidFill>
-            <a:schemeClr val="bg1"/>
-          </a:solidFill>
-          <a:ln w="12700" cmpd="sng">
-            <a:solidFill>
-              <a:schemeClr val="tx1">
-                <a:lumMod val="85000"/>
-                <a:lumOff val="15000"/>
-              </a:schemeClr>
-            </a:solidFill>
-          </a:ln>
-          <a:effectLst/>
-        </p:spPr>
-        <p:style>
-          <a:lnRef idx="1">
-            <a:schemeClr val="accent1"/>
-          </a:lnRef>
-          <a:fillRef idx="3">
-            <a:schemeClr val="accent1"/>
-          </a:fillRef>
-          <a:effectRef idx="2">
-            <a:schemeClr val="accent1"/>
-          </a:effectRef>
-          <a:fontRef idx="minor">
-            <a:schemeClr val="lt1"/>
-          </a:fontRef>
-        </p:style>
-        <p:txBody>
-          <a:bodyPr rtlCol="0" anchor="ctr"/>
-          <a:lstStyle/>
-          <a:p>
-            <a:pPr algn="ctr"/>
-            <a:endParaRPr lang="en-US" dirty="0"/>
-          </a:p>
-        </p:txBody>
-      </p:sp>
-      <p:sp>
-        <p:nvSpPr>
-          <p:cNvPr id="88" name="Oval 87"/>
-          <p:cNvSpPr>
-            <a:spLocks noChangeAspect="1"/>
-          </p:cNvSpPr>
-          <p:nvPr/>
-        </p:nvSpPr>
-        <p:spPr>
-          <a:xfrm>
-            <a:off x="9674569" y="1339936"/>
-            <a:ext cx="105107" cy="109727"/>
-          </a:xfrm>
-          <a:prstGeom prst="ellipse">
-            <a:avLst/>
-          </a:prstGeom>
-          <a:solidFill>
-            <a:schemeClr val="bg1">
-              <a:lumMod val="50000"/>
-            </a:schemeClr>
-          </a:solidFill>
-          <a:ln w="12700" cmpd="sng">
-            <a:solidFill>
-              <a:schemeClr val="tx1">
-                <a:lumMod val="85000"/>
-                <a:lumOff val="15000"/>
-              </a:schemeClr>
-            </a:solidFill>
-          </a:ln>
-          <a:effectLst/>
-        </p:spPr>
-        <p:style>
-          <a:lnRef idx="1">
-            <a:schemeClr val="accent1"/>
-          </a:lnRef>
-          <a:fillRef idx="3">
-            <a:schemeClr val="accent1"/>
-          </a:fillRef>
-          <a:effectRef idx="2">
-            <a:schemeClr val="accent1"/>
-          </a:effectRef>
-          <a:fontRef idx="minor">
-            <a:schemeClr val="lt1"/>
-          </a:fontRef>
-        </p:style>
-        <p:txBody>
-          <a:bodyPr rtlCol="0" anchor="ctr"/>
-          <a:lstStyle/>
-          <a:p>
-            <a:pPr algn="ctr"/>
-            <a:endParaRPr lang="en-US"/>
-          </a:p>
-        </p:txBody>
-      </p:sp>
-      <p:sp>
-        <p:nvSpPr>
-          <p:cNvPr id="89" name="Freeform 88"/>
+      </p:cxnSp>
+      <p:sp>
+        <p:nvSpPr>
+          <p:cNvPr id="161" name="Freeform 160"/>
           <p:cNvSpPr/>
           <p:nvPr/>
         </p:nvSpPr>
         <p:spPr>
           <a:xfrm>
-            <a:off x="9574961" y="725049"/>
+            <a:off x="6612349" y="632397"/>
             <a:ext cx="1904398" cy="1768496"/>
           </a:xfrm>
           <a:custGeom>
@@ -7355,9 +8093,9 @@
               <a:alpha val="20000"/>
             </a:schemeClr>
           </a:solidFill>
-          <a:ln>
+          <a:ln w="3175" cmpd="sng">
             <a:solidFill>
-              <a:srgbClr val="000000"/>
+              <a:srgbClr val="262626"/>
             </a:solidFill>
           </a:ln>
           <a:effectLst/>
@@ -7387,14 +8125,14 @@
       </p:sp>
       <p:sp>
         <p:nvSpPr>
-          <p:cNvPr id="90" name="TextBox 89"/>
+          <p:cNvPr id="193" name="TextBox 192"/>
           <p:cNvSpPr txBox="1"/>
           <p:nvPr/>
         </p:nvSpPr>
         <p:spPr>
-          <a:xfrm rot="2826287">
-            <a:off x="10609753" y="1257661"/>
-            <a:ext cx="1080509" cy="253916"/>
+          <a:xfrm>
+            <a:off x="6438359" y="2769771"/>
+            <a:ext cx="2504308" cy="307777"/>
           </a:xfrm>
           <a:prstGeom prst="rect">
             <a:avLst/>
@@ -7407,20 +8145,15 @@
           </a:bodyPr>
           <a:lstStyle/>
           <a:p>
+            <a:pPr algn="ctr"/>
             <a:r>
-              <a:rPr lang="en-US" sz="1050" i="1" dirty="0" smtClean="0">
-                <a:solidFill>
-                  <a:srgbClr val="7F7F7F"/>
-                </a:solidFill>
+              <a:rPr lang="en-US" sz="1400" dirty="0" smtClean="0">
                 <a:latin typeface="Palatino"/>
                 <a:cs typeface="Palatino"/>
               </a:rPr>
-              <a:t>low risk</a:t>
+              <a:t>(c) Novelty</a:t>
             </a:r>
-            <a:endParaRPr lang="en-US" sz="1050" i="1" dirty="0">
-              <a:solidFill>
-                <a:srgbClr val="7F7F7F"/>
-              </a:solidFill>
+            <a:endParaRPr lang="en-US" sz="1400" dirty="0">
               <a:latin typeface="Palatino"/>
               <a:cs typeface="Palatino"/>
             </a:endParaRPr>
@@ -7429,14 +8162,14 @@
       </p:sp>
       <p:sp>
         <p:nvSpPr>
-          <p:cNvPr id="92" name="TextBox 91"/>
+          <p:cNvPr id="194" name="TextBox 193"/>
           <p:cNvSpPr txBox="1"/>
           <p:nvPr/>
         </p:nvSpPr>
         <p:spPr>
           <a:xfrm>
-            <a:off x="4941379" y="1145762"/>
-            <a:ext cx="743421" cy="253916"/>
+            <a:off x="9382892" y="2800203"/>
+            <a:ext cx="2504308" cy="307777"/>
           </a:xfrm>
           <a:prstGeom prst="rect">
             <a:avLst/>
@@ -7449,521 +8182,21 @@
           </a:bodyPr>
           <a:lstStyle/>
           <a:p>
+            <a:pPr algn="ctr"/>
             <a:r>
-              <a:rPr lang="en-US" sz="1050" i="1" dirty="0" smtClean="0">
-                <a:solidFill>
-                  <a:srgbClr val="7F7F7F"/>
-                </a:solidFill>
+              <a:rPr lang="en-US" sz="1400" dirty="0" smtClean="0">
                 <a:latin typeface="Palatino"/>
                 <a:cs typeface="Palatino"/>
               </a:rPr>
-              <a:t>high risk</a:t>
+              <a:t>(d) Combined Risk</a:t>
             </a:r>
-          </a:p>
-        </p:txBody>
-      </p:sp>
-      <p:sp>
-        <p:nvSpPr>
-          <p:cNvPr id="93" name="TextBox 92"/>
-          <p:cNvSpPr txBox="1"/>
-          <p:nvPr/>
-        </p:nvSpPr>
-        <p:spPr>
-          <a:xfrm rot="2843943">
-            <a:off x="7915481" y="1008690"/>
-            <a:ext cx="1080509" cy="253916"/>
-          </a:xfrm>
-          <a:prstGeom prst="rect">
-            <a:avLst/>
-          </a:prstGeom>
-          <a:noFill/>
-        </p:spPr>
-        <p:txBody>
-          <a:bodyPr wrap="square" rtlCol="0">
-            <a:spAutoFit/>
-          </a:bodyPr>
-          <a:lstStyle/>
-          <a:p>
-            <a:r>
-              <a:rPr lang="en-US" sz="1050" i="1" dirty="0" smtClean="0">
-                <a:solidFill>
-                  <a:srgbClr val="7F7F7F"/>
-                </a:solidFill>
-                <a:latin typeface="Palatino"/>
-                <a:cs typeface="Palatino"/>
-              </a:rPr>
-              <a:t>high risk</a:t>
-            </a:r>
-          </a:p>
-        </p:txBody>
-      </p:sp>
-      <p:sp>
-        <p:nvSpPr>
-          <p:cNvPr id="94" name="TextBox 93"/>
-          <p:cNvSpPr txBox="1"/>
-          <p:nvPr/>
-        </p:nvSpPr>
-        <p:spPr>
-          <a:xfrm rot="2843943">
-            <a:off x="10819267" y="1063296"/>
-            <a:ext cx="1080509" cy="253916"/>
-          </a:xfrm>
-          <a:prstGeom prst="rect">
-            <a:avLst/>
-          </a:prstGeom>
-          <a:noFill/>
-        </p:spPr>
-        <p:txBody>
-          <a:bodyPr wrap="square" rtlCol="0">
-            <a:spAutoFit/>
-          </a:bodyPr>
-          <a:lstStyle/>
-          <a:p>
-            <a:r>
-              <a:rPr lang="en-US" sz="1050" i="1" dirty="0" smtClean="0">
-                <a:solidFill>
-                  <a:srgbClr val="7F7F7F"/>
-                </a:solidFill>
-                <a:latin typeface="Palatino"/>
-                <a:cs typeface="Palatino"/>
-              </a:rPr>
-              <a:t>high risk</a:t>
-            </a:r>
-          </a:p>
-        </p:txBody>
-      </p:sp>
-      <p:sp>
-        <p:nvSpPr>
-          <p:cNvPr id="97" name="Freeform 96"/>
-          <p:cNvSpPr/>
-          <p:nvPr/>
-        </p:nvSpPr>
-        <p:spPr>
-          <a:xfrm>
-            <a:off x="10554465" y="1328347"/>
-            <a:ext cx="422109" cy="347484"/>
-          </a:xfrm>
-          <a:custGeom>
-            <a:avLst/>
-            <a:gdLst>
-              <a:gd name="connsiteX0" fmla="*/ 200655 w 390143"/>
-              <a:gd name="connsiteY0" fmla="*/ 271431 h 271705"/>
-              <a:gd name="connsiteX1" fmla="*/ 385598 w 390143"/>
-              <a:gd name="connsiteY1" fmla="*/ 12522 h 271705"/>
-              <a:gd name="connsiteX2" fmla="*/ 3383 w 390143"/>
-              <a:gd name="connsiteY2" fmla="*/ 61838 h 271705"/>
-              <a:gd name="connsiteX3" fmla="*/ 200655 w 390143"/>
-              <a:gd name="connsiteY3" fmla="*/ 271431 h 271705"/>
-            </a:gdLst>
-            <a:ahLst/>
-            <a:cxnLst>
-              <a:cxn ang="0">
-                <a:pos x="connsiteX0" y="connsiteY0"/>
-              </a:cxn>
-              <a:cxn ang="0">
-                <a:pos x="connsiteX1" y="connsiteY1"/>
-              </a:cxn>
-              <a:cxn ang="0">
-                <a:pos x="connsiteX2" y="connsiteY2"/>
-              </a:cxn>
-              <a:cxn ang="0">
-                <a:pos x="connsiteX3" y="connsiteY3"/>
-              </a:cxn>
-            </a:cxnLst>
-            <a:rect l="l" t="t" r="r" b="b"/>
-            <a:pathLst>
-              <a:path w="390143" h="271705">
-                <a:moveTo>
-                  <a:pt x="200655" y="271431"/>
-                </a:moveTo>
-                <a:cubicBezTo>
-                  <a:pt x="264357" y="263212"/>
-                  <a:pt x="418477" y="47454"/>
-                  <a:pt x="385598" y="12522"/>
-                </a:cubicBezTo>
-                <a:cubicBezTo>
-                  <a:pt x="352719" y="-22410"/>
-                  <a:pt x="32152" y="22796"/>
-                  <a:pt x="3383" y="61838"/>
-                </a:cubicBezTo>
-                <a:cubicBezTo>
-                  <a:pt x="-25386" y="100880"/>
-                  <a:pt x="136953" y="279650"/>
-                  <a:pt x="200655" y="271431"/>
-                </a:cubicBezTo>
-                <a:close/>
-              </a:path>
-            </a:pathLst>
-          </a:custGeom>
-          <a:solidFill>
-            <a:schemeClr val="bg1"/>
-          </a:solidFill>
-          <a:ln>
-            <a:solidFill>
-              <a:schemeClr val="tx1"/>
-            </a:solidFill>
-          </a:ln>
-          <a:effectLst/>
-        </p:spPr>
-        <p:style>
-          <a:lnRef idx="1">
-            <a:schemeClr val="accent1"/>
-          </a:lnRef>
-          <a:fillRef idx="3">
-            <a:schemeClr val="accent1"/>
-          </a:fillRef>
-          <a:effectRef idx="2">
-            <a:schemeClr val="accent1"/>
-          </a:effectRef>
-          <a:fontRef idx="minor">
-            <a:schemeClr val="lt1"/>
-          </a:fontRef>
-        </p:style>
-        <p:txBody>
-          <a:bodyPr rtlCol="0" anchor="ctr"/>
-          <a:lstStyle/>
-          <a:p>
-            <a:pPr algn="ctr"/>
-            <a:endParaRPr lang="en-US"/>
-          </a:p>
-        </p:txBody>
-      </p:sp>
-      <p:sp>
-        <p:nvSpPr>
-          <p:cNvPr id="76" name="Oval 75"/>
-          <p:cNvSpPr>
-            <a:spLocks noChangeAspect="1"/>
-          </p:cNvSpPr>
-          <p:nvPr/>
-        </p:nvSpPr>
-        <p:spPr>
-          <a:xfrm>
-            <a:off x="10739849" y="1439513"/>
-            <a:ext cx="105107" cy="109727"/>
-          </a:xfrm>
-          <a:prstGeom prst="ellipse">
-            <a:avLst/>
-          </a:prstGeom>
-          <a:solidFill>
-            <a:schemeClr val="bg1">
-              <a:lumMod val="50000"/>
-            </a:schemeClr>
-          </a:solidFill>
-          <a:ln w="12700" cmpd="sng">
-            <a:solidFill>
-              <a:schemeClr val="tx1">
-                <a:lumMod val="85000"/>
-                <a:lumOff val="15000"/>
-              </a:schemeClr>
-            </a:solidFill>
-          </a:ln>
-          <a:effectLst/>
-        </p:spPr>
-        <p:style>
-          <a:lnRef idx="1">
-            <a:schemeClr val="accent1"/>
-          </a:lnRef>
-          <a:fillRef idx="3">
-            <a:schemeClr val="accent1"/>
-          </a:fillRef>
-          <a:effectRef idx="2">
-            <a:schemeClr val="accent1"/>
-          </a:effectRef>
-          <a:fontRef idx="minor">
-            <a:schemeClr val="lt1"/>
-          </a:fontRef>
-        </p:style>
-        <p:txBody>
-          <a:bodyPr rtlCol="0" anchor="ctr"/>
-          <a:lstStyle/>
-          <a:p>
-            <a:pPr algn="ctr"/>
-            <a:endParaRPr lang="en-US"/>
-          </a:p>
-        </p:txBody>
-      </p:sp>
-      <p:sp>
-        <p:nvSpPr>
-          <p:cNvPr id="98" name="Freeform 97"/>
-          <p:cNvSpPr/>
-          <p:nvPr/>
-        </p:nvSpPr>
-        <p:spPr>
-          <a:xfrm>
-            <a:off x="10119190" y="1195018"/>
-            <a:ext cx="325428" cy="289836"/>
-          </a:xfrm>
-          <a:custGeom>
-            <a:avLst/>
-            <a:gdLst>
-              <a:gd name="connsiteX0" fmla="*/ 258920 w 325428"/>
-              <a:gd name="connsiteY0" fmla="*/ 209628 h 289836"/>
-              <a:gd name="connsiteX1" fmla="*/ 308238 w 325428"/>
-              <a:gd name="connsiteY1" fmla="*/ 12364 h 289836"/>
-              <a:gd name="connsiteX2" fmla="*/ 12330 w 325428"/>
-              <a:gd name="connsiteY2" fmla="*/ 49351 h 289836"/>
-              <a:gd name="connsiteX3" fmla="*/ 0 w 325428"/>
-              <a:gd name="connsiteY3" fmla="*/ 283602 h 289836"/>
-              <a:gd name="connsiteX4" fmla="*/ 258920 w 325428"/>
-              <a:gd name="connsiteY4" fmla="*/ 209628 h 289836"/>
-            </a:gdLst>
-            <a:ahLst/>
-            <a:cxnLst>
-              <a:cxn ang="0">
-                <a:pos x="connsiteX0" y="connsiteY0"/>
-              </a:cxn>
-              <a:cxn ang="0">
-                <a:pos x="connsiteX1" y="connsiteY1"/>
-              </a:cxn>
-              <a:cxn ang="0">
-                <a:pos x="connsiteX2" y="connsiteY2"/>
-              </a:cxn>
-              <a:cxn ang="0">
-                <a:pos x="connsiteX3" y="connsiteY3"/>
-              </a:cxn>
-              <a:cxn ang="0">
-                <a:pos x="connsiteX4" y="connsiteY4"/>
-              </a:cxn>
-            </a:cxnLst>
-            <a:rect l="l" t="t" r="r" b="b"/>
-            <a:pathLst>
-              <a:path w="325428" h="289836">
-                <a:moveTo>
-                  <a:pt x="258920" y="209628"/>
-                </a:moveTo>
-                <a:cubicBezTo>
-                  <a:pt x="310293" y="164422"/>
-                  <a:pt x="349336" y="39077"/>
-                  <a:pt x="308238" y="12364"/>
-                </a:cubicBezTo>
-                <a:cubicBezTo>
-                  <a:pt x="267140" y="-14349"/>
-                  <a:pt x="63703" y="4145"/>
-                  <a:pt x="12330" y="49351"/>
-                </a:cubicBezTo>
-                <a:cubicBezTo>
-                  <a:pt x="-39043" y="94557"/>
-                  <a:pt x="-43153" y="258944"/>
-                  <a:pt x="0" y="283602"/>
-                </a:cubicBezTo>
-                <a:cubicBezTo>
-                  <a:pt x="43153" y="308260"/>
-                  <a:pt x="207547" y="254834"/>
-                  <a:pt x="258920" y="209628"/>
-                </a:cubicBezTo>
-                <a:close/>
-              </a:path>
-            </a:pathLst>
-          </a:custGeom>
-          <a:solidFill>
-            <a:schemeClr val="bg1"/>
-          </a:solidFill>
-          <a:ln w="9525" cmpd="sng">
-            <a:solidFill>
-              <a:schemeClr val="tx1"/>
-            </a:solidFill>
-          </a:ln>
-          <a:effectLst/>
-        </p:spPr>
-        <p:style>
-          <a:lnRef idx="1">
-            <a:schemeClr val="accent1"/>
-          </a:lnRef>
-          <a:fillRef idx="3">
-            <a:schemeClr val="accent1"/>
-          </a:fillRef>
-          <a:effectRef idx="2">
-            <a:schemeClr val="accent1"/>
-          </a:effectRef>
-          <a:fontRef idx="minor">
-            <a:schemeClr val="lt1"/>
-          </a:fontRef>
-        </p:style>
-        <p:txBody>
-          <a:bodyPr rtlCol="0" anchor="ctr"/>
-          <a:lstStyle/>
-          <a:p>
-            <a:pPr algn="ctr"/>
-            <a:endParaRPr lang="en-US"/>
-          </a:p>
-        </p:txBody>
-      </p:sp>
-      <p:sp>
-        <p:nvSpPr>
-          <p:cNvPr id="71" name="Oval 70"/>
-          <p:cNvSpPr>
-            <a:spLocks noChangeAspect="1"/>
-          </p:cNvSpPr>
-          <p:nvPr/>
-        </p:nvSpPr>
-        <p:spPr>
-          <a:xfrm>
-            <a:off x="10212096" y="1271356"/>
-            <a:ext cx="105107" cy="109727"/>
-          </a:xfrm>
-          <a:prstGeom prst="ellipse">
-            <a:avLst/>
-          </a:prstGeom>
-          <a:solidFill>
-            <a:schemeClr val="bg1"/>
-          </a:solidFill>
-          <a:ln w="12700" cmpd="sng">
-            <a:solidFill>
-              <a:schemeClr val="tx1">
-                <a:lumMod val="85000"/>
-                <a:lumOff val="15000"/>
-              </a:schemeClr>
-            </a:solidFill>
-          </a:ln>
-          <a:effectLst/>
-        </p:spPr>
-        <p:style>
-          <a:lnRef idx="1">
-            <a:schemeClr val="accent1"/>
-          </a:lnRef>
-          <a:fillRef idx="3">
-            <a:schemeClr val="accent1"/>
-          </a:fillRef>
-          <a:effectRef idx="2">
-            <a:schemeClr val="accent1"/>
-          </a:effectRef>
-          <a:fontRef idx="minor">
-            <a:schemeClr val="lt1"/>
-          </a:fontRef>
-        </p:style>
-        <p:txBody>
-          <a:bodyPr rtlCol="0" anchor="ctr"/>
-          <a:lstStyle/>
-          <a:p>
-            <a:pPr algn="ctr"/>
-            <a:r>
-              <a:rPr lang="en-US" dirty="0" smtClean="0"/>
-              <a:t>v</a:t>
-            </a:r>
-            <a:endParaRPr lang="en-US" dirty="0"/>
-          </a:p>
-        </p:txBody>
-      </p:sp>
-      <p:sp>
-        <p:nvSpPr>
-          <p:cNvPr id="99" name="TextBox 98"/>
-          <p:cNvSpPr txBox="1"/>
-          <p:nvPr/>
-        </p:nvSpPr>
-        <p:spPr>
-          <a:xfrm>
-            <a:off x="3927515" y="164098"/>
-            <a:ext cx="637246" cy="253916"/>
-          </a:xfrm>
-          <a:prstGeom prst="rect">
-            <a:avLst/>
-          </a:prstGeom>
-          <a:noFill/>
-        </p:spPr>
-        <p:txBody>
-          <a:bodyPr wrap="square" rtlCol="0">
-            <a:spAutoFit/>
-          </a:bodyPr>
-          <a:lstStyle/>
-          <a:p>
-            <a:r>
-              <a:rPr lang="en-US" sz="1050" i="1" dirty="0" smtClean="0">
-                <a:solidFill>
-                  <a:srgbClr val="7F7F7F"/>
-                </a:solidFill>
-                <a:latin typeface="Palatino"/>
-                <a:cs typeface="Palatino"/>
-              </a:rPr>
-              <a:t>low risk</a:t>
-            </a:r>
-            <a:endParaRPr lang="en-US" sz="1050" i="1" dirty="0">
-              <a:solidFill>
-                <a:srgbClr val="7F7F7F"/>
-              </a:solidFill>
+            <a:endParaRPr lang="en-US" sz="1400" dirty="0">
               <a:latin typeface="Palatino"/>
               <a:cs typeface="Palatino"/>
             </a:endParaRPr>
           </a:p>
         </p:txBody>
       </p:sp>
-      <p:cxnSp>
-        <p:nvCxnSpPr>
-          <p:cNvPr id="101" name="Straight Arrow Connector 100"/>
-          <p:cNvCxnSpPr/>
-          <p:nvPr/>
-        </p:nvCxnSpPr>
-        <p:spPr>
-          <a:xfrm>
-            <a:off x="542615" y="557498"/>
-            <a:ext cx="928573" cy="745664"/>
-          </a:xfrm>
-          <a:prstGeom prst="straightConnector1">
-            <a:avLst/>
-          </a:prstGeom>
-          <a:ln w="9525" cmpd="sng">
-            <a:solidFill>
-              <a:schemeClr val="tx1">
-                <a:lumMod val="50000"/>
-                <a:lumOff val="50000"/>
-              </a:schemeClr>
-            </a:solidFill>
-            <a:headEnd type="oval" w="lg" len="sm"/>
-            <a:tailEnd type="oval" w="lg" len="sm"/>
-          </a:ln>
-          <a:effectLst/>
-        </p:spPr>
-        <p:style>
-          <a:lnRef idx="2">
-            <a:schemeClr val="dk1"/>
-          </a:lnRef>
-          <a:fillRef idx="0">
-            <a:schemeClr val="dk1"/>
-          </a:fillRef>
-          <a:effectRef idx="1">
-            <a:schemeClr val="dk1"/>
-          </a:effectRef>
-          <a:fontRef idx="minor">
-            <a:schemeClr val="tx1"/>
-          </a:fontRef>
-        </p:style>
-      </p:cxnSp>
-      <p:cxnSp>
-        <p:nvCxnSpPr>
-          <p:cNvPr id="102" name="Straight Connector 101"/>
-          <p:cNvCxnSpPr/>
-          <p:nvPr/>
-        </p:nvCxnSpPr>
-        <p:spPr>
-          <a:xfrm flipV="1">
-            <a:off x="3960409" y="399477"/>
-            <a:ext cx="899756" cy="2234335"/>
-          </a:xfrm>
-          <a:prstGeom prst="line">
-            <a:avLst/>
-          </a:prstGeom>
-          <a:ln w="12700" cmpd="sng">
-            <a:solidFill>
-              <a:srgbClr val="262626"/>
-            </a:solidFill>
-            <a:prstDash val="lgDash"/>
-          </a:ln>
-          <a:effectLst/>
-        </p:spPr>
-        <p:style>
-          <a:lnRef idx="2">
-            <a:schemeClr val="accent1"/>
-          </a:lnRef>
-          <a:fillRef idx="0">
-            <a:schemeClr val="accent1"/>
-          </a:fillRef>
-          <a:effectRef idx="1">
-            <a:schemeClr val="accent1"/>
-          </a:effectRef>
-          <a:fontRef idx="minor">
-            <a:schemeClr val="tx1"/>
-          </a:fontRef>
-        </p:style>
-      </p:cxnSp>
     </p:spTree>
     <p:extLst>
       <p:ext uri="{BB962C8B-B14F-4D97-AF65-F5344CB8AC3E}">
